--- a/ClassMaterials/MoreRecursionMoreInterfaces/Slides/Part1-More_Recursion.pptx
+++ b/ClassMaterials/MoreRecursionMoreInterfaces/Slides/Part1-More_Recursion.pptx
@@ -5,7 +5,7 @@
     <p:sldMasterId id="2147483648" r:id="rId4"/>
   </p:sldMasterIdLst>
   <p:notesMasterIdLst>
-    <p:notesMasterId r:id="rId19"/>
+    <p:notesMasterId r:id="rId20"/>
   </p:notesMasterIdLst>
   <p:sldIdLst>
     <p:sldId id="256" r:id="rId5"/>
@@ -22,6 +22,7 @@
     <p:sldId id="261" r:id="rId16"/>
     <p:sldId id="275" r:id="rId17"/>
     <p:sldId id="286" r:id="rId18"/>
+    <p:sldId id="287" r:id="rId19"/>
   </p:sldIdLst>
   <p:sldSz cx="9144000" cy="6858000" type="screen4x3"/>
   <p:notesSz cx="6858000" cy="9144000"/>
@@ -221,7 +222,7 @@
           <a:p>
             <a:fld id="{01A9AFE8-3E8D-E148-BA98-12759F2DD8EB}" type="datetimeFigureOut">
               <a:rPr lang="en-US" smtClean="0"/>
-              <a:t>11/22/2022</a:t>
+              <a:t>4/17/2023</a:t>
             </a:fld>
             <a:endParaRPr lang="en-US"/>
           </a:p>
@@ -1165,13 +1166,8 @@
           <a:p>
             <a:r>
               <a:rPr lang="en-US" dirty="0"/>
-              <a:t>Optional coding exercise for tower </a:t>
-            </a:r>
-            <a:r>
-              <a:rPr lang="en-US"/>
-              <a:t>of Hanoi</a:t>
-            </a:r>
-            <a:endParaRPr lang="en-US" dirty="0"/>
+              <a:t>Optional coding exercise for tower of Hanoi</a:t>
+            </a:r>
           </a:p>
         </p:txBody>
       </p:sp>
@@ -1390,7 +1386,7 @@
           <a:p>
             <a:fld id="{E6E52604-4630-4861-9364-F52CA104A3D5}" type="datetimeFigureOut">
               <a:rPr lang="en-US" smtClean="0"/>
-              <a:t>11/22/2022</a:t>
+              <a:t>4/17/2023</a:t>
             </a:fld>
             <a:endParaRPr lang="en-US"/>
           </a:p>
@@ -1558,7 +1554,7 @@
           <a:p>
             <a:fld id="{E6E52604-4630-4861-9364-F52CA104A3D5}" type="datetimeFigureOut">
               <a:rPr lang="en-US" smtClean="0"/>
-              <a:t>11/22/2022</a:t>
+              <a:t>4/17/2023</a:t>
             </a:fld>
             <a:endParaRPr lang="en-US"/>
           </a:p>
@@ -1736,7 +1732,7 @@
           <a:p>
             <a:fld id="{E6E52604-4630-4861-9364-F52CA104A3D5}" type="datetimeFigureOut">
               <a:rPr lang="en-US" smtClean="0"/>
-              <a:t>11/22/2022</a:t>
+              <a:t>4/17/2023</a:t>
             </a:fld>
             <a:endParaRPr lang="en-US"/>
           </a:p>
@@ -1904,7 +1900,7 @@
           <a:p>
             <a:fld id="{E6E52604-4630-4861-9364-F52CA104A3D5}" type="datetimeFigureOut">
               <a:rPr lang="en-US" smtClean="0"/>
-              <a:t>11/22/2022</a:t>
+              <a:t>4/17/2023</a:t>
             </a:fld>
             <a:endParaRPr lang="en-US"/>
           </a:p>
@@ -2149,7 +2145,7 @@
           <a:p>
             <a:fld id="{E6E52604-4630-4861-9364-F52CA104A3D5}" type="datetimeFigureOut">
               <a:rPr lang="en-US" smtClean="0"/>
-              <a:t>11/22/2022</a:t>
+              <a:t>4/17/2023</a:t>
             </a:fld>
             <a:endParaRPr lang="en-US"/>
           </a:p>
@@ -2434,7 +2430,7 @@
           <a:p>
             <a:fld id="{E6E52604-4630-4861-9364-F52CA104A3D5}" type="datetimeFigureOut">
               <a:rPr lang="en-US" smtClean="0"/>
-              <a:t>11/22/2022</a:t>
+              <a:t>4/17/2023</a:t>
             </a:fld>
             <a:endParaRPr lang="en-US"/>
           </a:p>
@@ -2853,7 +2849,7 @@
           <a:p>
             <a:fld id="{E6E52604-4630-4861-9364-F52CA104A3D5}" type="datetimeFigureOut">
               <a:rPr lang="en-US" smtClean="0"/>
-              <a:t>11/22/2022</a:t>
+              <a:t>4/17/2023</a:t>
             </a:fld>
             <a:endParaRPr lang="en-US"/>
           </a:p>
@@ -2970,7 +2966,7 @@
           <a:p>
             <a:fld id="{E6E52604-4630-4861-9364-F52CA104A3D5}" type="datetimeFigureOut">
               <a:rPr lang="en-US" smtClean="0"/>
-              <a:t>11/22/2022</a:t>
+              <a:t>4/17/2023</a:t>
             </a:fld>
             <a:endParaRPr lang="en-US"/>
           </a:p>
@@ -3065,7 +3061,7 @@
           <a:p>
             <a:fld id="{E6E52604-4630-4861-9364-F52CA104A3D5}" type="datetimeFigureOut">
               <a:rPr lang="en-US" smtClean="0"/>
-              <a:t>11/22/2022</a:t>
+              <a:t>4/17/2023</a:t>
             </a:fld>
             <a:endParaRPr lang="en-US"/>
           </a:p>
@@ -3340,7 +3336,7 @@
           <a:p>
             <a:fld id="{E6E52604-4630-4861-9364-F52CA104A3D5}" type="datetimeFigureOut">
               <a:rPr lang="en-US" smtClean="0"/>
-              <a:t>11/22/2022</a:t>
+              <a:t>4/17/2023</a:t>
             </a:fld>
             <a:endParaRPr lang="en-US"/>
           </a:p>
@@ -3592,7 +3588,7 @@
           <a:p>
             <a:fld id="{E6E52604-4630-4861-9364-F52CA104A3D5}" type="datetimeFigureOut">
               <a:rPr lang="en-US" smtClean="0"/>
-              <a:t>11/22/2022</a:t>
+              <a:t>4/17/2023</a:t>
             </a:fld>
             <a:endParaRPr lang="en-US"/>
           </a:p>
@@ -3803,7 +3799,7 @@
           <a:p>
             <a:fld id="{E6E52604-4630-4861-9364-F52CA104A3D5}" type="datetimeFigureOut">
               <a:rPr lang="en-US" smtClean="0"/>
-              <a:t>11/22/2022</a:t>
+              <a:t>4/17/2023</a:t>
             </a:fld>
             <a:endParaRPr lang="en-US"/>
           </a:p>
@@ -4425,13 +4421,18 @@
           </a:p>
           <a:p>
             <a:r>
-              <a:rPr lang="en-US" sz="4400" dirty="0">
+              <a:rPr lang="en-US" sz="4400">
                 <a:highlight>
                   <a:srgbClr val="FFFF00"/>
                 </a:highlight>
               </a:rPr>
               <a:t>__________</a:t>
             </a:r>
+            <a:endParaRPr lang="en-US" sz="4400" dirty="0">
+              <a:highlight>
+                <a:srgbClr val="FFFF00"/>
+              </a:highlight>
+            </a:endParaRPr>
           </a:p>
         </p:txBody>
       </p:sp>
@@ -7381,6 +7382,346 @@
 </p:sld>
 </file>
 
+<file path=ppt/slides/slide15.xml><?xml version="1.0" encoding="utf-8"?>
+<p:sld xmlns:a="http://schemas.openxmlformats.org/drawingml/2006/main" xmlns:r="http://schemas.openxmlformats.org/officeDocument/2006/relationships" xmlns:p="http://schemas.openxmlformats.org/presentationml/2006/main">
+  <p:cSld>
+    <p:spTree>
+      <p:nvGrpSpPr>
+        <p:cNvPr id="1" name=""/>
+        <p:cNvGrpSpPr/>
+        <p:nvPr/>
+      </p:nvGrpSpPr>
+      <p:grpSpPr>
+        <a:xfrm>
+          <a:off x="0" y="0"/>
+          <a:ext cx="0" cy="0"/>
+          <a:chOff x="0" y="0"/>
+          <a:chExt cx="0" cy="0"/>
+        </a:xfrm>
+      </p:grpSpPr>
+      <p:sp>
+        <p:nvSpPr>
+          <p:cNvPr id="2" name="Title 1">
+            <a:extLst>
+              <a:ext uri="{FF2B5EF4-FFF2-40B4-BE49-F238E27FC236}">
+                <a16:creationId xmlns:a16="http://schemas.microsoft.com/office/drawing/2014/main" id="{B7ED4A8F-4488-8830-4DA6-E9F7D82341FE}"/>
+              </a:ext>
+            </a:extLst>
+          </p:cNvPr>
+          <p:cNvSpPr>
+            <a:spLocks noGrp="1"/>
+          </p:cNvSpPr>
+          <p:nvPr>
+            <p:ph type="title"/>
+          </p:nvPr>
+        </p:nvSpPr>
+        <p:spPr/>
+        <p:txBody>
+          <a:bodyPr/>
+          <a:lstStyle/>
+          <a:p>
+            <a:r>
+              <a:rPr lang="en-US" dirty="0"/>
+              <a:t>Final HW Problem</a:t>
+            </a:r>
+          </a:p>
+        </p:txBody>
+      </p:sp>
+      <p:sp>
+        <p:nvSpPr>
+          <p:cNvPr id="4" name="Rectangle 1">
+            <a:extLst>
+              <a:ext uri="{FF2B5EF4-FFF2-40B4-BE49-F238E27FC236}">
+                <a16:creationId xmlns:a16="http://schemas.microsoft.com/office/drawing/2014/main" id="{BDBFBB29-E293-D324-3E6F-1E911FA02E88}"/>
+              </a:ext>
+            </a:extLst>
+          </p:cNvPr>
+          <p:cNvSpPr>
+            <a:spLocks noChangeArrowheads="1"/>
+          </p:cNvSpPr>
+          <p:nvPr/>
+        </p:nvSpPr>
+        <p:spPr bwMode="auto">
+          <a:xfrm>
+            <a:off x="895063" y="1834942"/>
+            <a:ext cx="7353873" cy="338554"/>
+          </a:xfrm>
+          <a:prstGeom prst="rect">
+            <a:avLst/>
+          </a:prstGeom>
+          <a:noFill/>
+          <a:ln>
+            <a:noFill/>
+          </a:ln>
+          <a:effectLst/>
+          <a:extLst>
+            <a:ext uri="{909E8E84-426E-40DD-AFC4-6F175D3DCCD1}">
+              <a14:hiddenFill xmlns:a14="http://schemas.microsoft.com/office/drawing/2010/main">
+                <a:solidFill>
+                  <a:schemeClr val="accent1"/>
+                </a:solidFill>
+              </a14:hiddenFill>
+            </a:ext>
+            <a:ext uri="{91240B29-F687-4F45-9708-019B960494DF}">
+              <a14:hiddenLine xmlns:a14="http://schemas.microsoft.com/office/drawing/2010/main" w="9525">
+                <a:solidFill>
+                  <a:schemeClr val="tx1"/>
+                </a:solidFill>
+                <a:miter lim="800000"/>
+                <a:headEnd/>
+                <a:tailEnd/>
+              </a14:hiddenLine>
+            </a:ext>
+            <a:ext uri="{AF507438-7753-43E0-B8FC-AC1667EBCBE1}">
+              <a14:hiddenEffects xmlns:a14="http://schemas.microsoft.com/office/drawing/2010/main">
+                <a:effectLst>
+                  <a:outerShdw dist="35921" dir="2700000" algn="ctr" rotWithShape="0">
+                    <a:schemeClr val="bg2"/>
+                  </a:outerShdw>
+                </a:effectLst>
+              </a14:hiddenEffects>
+            </a:ext>
+          </a:extLst>
+        </p:spPr>
+        <p:txBody>
+          <a:bodyPr vert="horz" wrap="none" lIns="91440" tIns="45720" rIns="91440" bIns="45720" numCol="1" anchor="ctr" anchorCtr="0" compatLnSpc="1">
+            <a:prstTxWarp prst="textNoShape">
+              <a:avLst/>
+            </a:prstTxWarp>
+            <a:spAutoFit/>
+          </a:bodyPr>
+          <a:lstStyle>
+            <a:lvl1pPr eaLnBrk="0" fontAlgn="base" hangingPunct="0">
+              <a:spcBef>
+                <a:spcPct val="0"/>
+              </a:spcBef>
+              <a:spcAft>
+                <a:spcPct val="0"/>
+              </a:spcAft>
+              <a:defRPr>
+                <a:solidFill>
+                  <a:schemeClr val="tx1"/>
+                </a:solidFill>
+                <a:latin typeface="Arial" panose="020B0604020202020204" pitchFamily="34" charset="0"/>
+              </a:defRPr>
+            </a:lvl1pPr>
+            <a:lvl2pPr eaLnBrk="0" fontAlgn="base" hangingPunct="0">
+              <a:spcBef>
+                <a:spcPct val="0"/>
+              </a:spcBef>
+              <a:spcAft>
+                <a:spcPct val="0"/>
+              </a:spcAft>
+              <a:defRPr>
+                <a:solidFill>
+                  <a:schemeClr val="tx1"/>
+                </a:solidFill>
+                <a:latin typeface="Arial" panose="020B0604020202020204" pitchFamily="34" charset="0"/>
+              </a:defRPr>
+            </a:lvl2pPr>
+            <a:lvl3pPr eaLnBrk="0" fontAlgn="base" hangingPunct="0">
+              <a:spcBef>
+                <a:spcPct val="0"/>
+              </a:spcBef>
+              <a:spcAft>
+                <a:spcPct val="0"/>
+              </a:spcAft>
+              <a:defRPr>
+                <a:solidFill>
+                  <a:schemeClr val="tx1"/>
+                </a:solidFill>
+                <a:latin typeface="Arial" panose="020B0604020202020204" pitchFamily="34" charset="0"/>
+              </a:defRPr>
+            </a:lvl3pPr>
+            <a:lvl4pPr eaLnBrk="0" fontAlgn="base" hangingPunct="0">
+              <a:spcBef>
+                <a:spcPct val="0"/>
+              </a:spcBef>
+              <a:spcAft>
+                <a:spcPct val="0"/>
+              </a:spcAft>
+              <a:defRPr>
+                <a:solidFill>
+                  <a:schemeClr val="tx1"/>
+                </a:solidFill>
+                <a:latin typeface="Arial" panose="020B0604020202020204" pitchFamily="34" charset="0"/>
+              </a:defRPr>
+            </a:lvl4pPr>
+            <a:lvl5pPr eaLnBrk="0" fontAlgn="base" hangingPunct="0">
+              <a:spcBef>
+                <a:spcPct val="0"/>
+              </a:spcBef>
+              <a:spcAft>
+                <a:spcPct val="0"/>
+              </a:spcAft>
+              <a:defRPr>
+                <a:solidFill>
+                  <a:schemeClr val="tx1"/>
+                </a:solidFill>
+                <a:latin typeface="Arial" panose="020B0604020202020204" pitchFamily="34" charset="0"/>
+              </a:defRPr>
+            </a:lvl5pPr>
+            <a:lvl6pPr eaLnBrk="0" fontAlgn="base" hangingPunct="0">
+              <a:spcBef>
+                <a:spcPct val="0"/>
+              </a:spcBef>
+              <a:spcAft>
+                <a:spcPct val="0"/>
+              </a:spcAft>
+              <a:defRPr>
+                <a:solidFill>
+                  <a:schemeClr val="tx1"/>
+                </a:solidFill>
+                <a:latin typeface="Arial" panose="020B0604020202020204" pitchFamily="34" charset="0"/>
+              </a:defRPr>
+            </a:lvl6pPr>
+            <a:lvl7pPr eaLnBrk="0" fontAlgn="base" hangingPunct="0">
+              <a:spcBef>
+                <a:spcPct val="0"/>
+              </a:spcBef>
+              <a:spcAft>
+                <a:spcPct val="0"/>
+              </a:spcAft>
+              <a:defRPr>
+                <a:solidFill>
+                  <a:schemeClr val="tx1"/>
+                </a:solidFill>
+                <a:latin typeface="Arial" panose="020B0604020202020204" pitchFamily="34" charset="0"/>
+              </a:defRPr>
+            </a:lvl7pPr>
+            <a:lvl8pPr eaLnBrk="0" fontAlgn="base" hangingPunct="0">
+              <a:spcBef>
+                <a:spcPct val="0"/>
+              </a:spcBef>
+              <a:spcAft>
+                <a:spcPct val="0"/>
+              </a:spcAft>
+              <a:defRPr>
+                <a:solidFill>
+                  <a:schemeClr val="tx1"/>
+                </a:solidFill>
+                <a:latin typeface="Arial" panose="020B0604020202020204" pitchFamily="34" charset="0"/>
+              </a:defRPr>
+            </a:lvl8pPr>
+            <a:lvl9pPr eaLnBrk="0" fontAlgn="base" hangingPunct="0">
+              <a:spcBef>
+                <a:spcPct val="0"/>
+              </a:spcBef>
+              <a:spcAft>
+                <a:spcPct val="0"/>
+              </a:spcAft>
+              <a:defRPr>
+                <a:solidFill>
+                  <a:schemeClr val="tx1"/>
+                </a:solidFill>
+                <a:latin typeface="Arial" panose="020B0604020202020204" pitchFamily="34" charset="0"/>
+              </a:defRPr>
+            </a:lvl9pPr>
+          </a:lstStyle>
+          <a:p>
+            <a:pPr marL="0" marR="0" lvl="0" indent="0" algn="l" defTabSz="914400" rtl="0" eaLnBrk="0" fontAlgn="base" latinLnBrk="0" hangingPunct="0">
+              <a:lnSpc>
+                <a:spcPct val="100000"/>
+              </a:lnSpc>
+              <a:spcBef>
+                <a:spcPct val="0"/>
+              </a:spcBef>
+              <a:spcAft>
+                <a:spcPct val="0"/>
+              </a:spcAft>
+              <a:buClrTx/>
+              <a:buSzTx/>
+              <a:buFontTx/>
+              <a:buNone/>
+              <a:tabLst/>
+            </a:pPr>
+            <a:r>
+              <a:rPr kumimoji="0" lang="en-US" altLang="en-US" sz="1600" b="0" i="0" u="none" strike="noStrike" cap="none" normalizeH="0" baseline="0" dirty="0">
+                <a:ln>
+                  <a:noFill/>
+                </a:ln>
+                <a:solidFill>
+                  <a:srgbClr val="242424"/>
+                </a:solidFill>
+                <a:effectLst/>
+                <a:latin typeface="Segoe UI" panose="020B0502040204020203" pitchFamily="34" charset="0"/>
+                <a:cs typeface="Segoe UI" panose="020B0502040204020203" pitchFamily="34" charset="0"/>
+              </a:rPr>
+              <a:t>Courtesy of Dr. Hollingsworth- the diagram below might help with this problem</a:t>
+            </a:r>
+            <a:endParaRPr kumimoji="0" lang="en-US" altLang="en-US" sz="2800" b="0" i="0" u="none" strike="noStrike" cap="none" normalizeH="0" baseline="0" dirty="0">
+              <a:ln>
+                <a:noFill/>
+              </a:ln>
+              <a:solidFill>
+                <a:schemeClr val="tx1"/>
+              </a:solidFill>
+              <a:effectLst/>
+              <a:latin typeface="Arial" panose="020B0604020202020204" pitchFamily="34" charset="0"/>
+            </a:endParaRPr>
+          </a:p>
+        </p:txBody>
+      </p:sp>
+      <p:pic>
+        <p:nvPicPr>
+          <p:cNvPr id="1026" name="Picture 2" descr="largest sub sequence">
+            <a:extLst>
+              <a:ext uri="{FF2B5EF4-FFF2-40B4-BE49-F238E27FC236}">
+                <a16:creationId xmlns:a16="http://schemas.microsoft.com/office/drawing/2014/main" id="{81DA025B-86D6-5F71-BD0E-012E7449F16F}"/>
+              </a:ext>
+            </a:extLst>
+          </p:cNvPr>
+          <p:cNvPicPr>
+            <a:picLocks noChangeAspect="1" noChangeArrowheads="1"/>
+          </p:cNvPicPr>
+          <p:nvPr/>
+        </p:nvPicPr>
+        <p:blipFill>
+          <a:blip r:embed="rId2">
+            <a:extLst>
+              <a:ext uri="{28A0092B-C50C-407E-A947-70E740481C1C}">
+                <a14:useLocalDpi xmlns:a14="http://schemas.microsoft.com/office/drawing/2010/main" val="0"/>
+              </a:ext>
+            </a:extLst>
+          </a:blip>
+          <a:srcRect/>
+          <a:stretch>
+            <a:fillRect/>
+          </a:stretch>
+        </p:blipFill>
+        <p:spPr bwMode="auto">
+          <a:xfrm>
+            <a:off x="738287" y="2590800"/>
+            <a:ext cx="7288024" cy="3581400"/>
+          </a:xfrm>
+          <a:prstGeom prst="rect">
+            <a:avLst/>
+          </a:prstGeom>
+          <a:noFill/>
+          <a:extLst>
+            <a:ext uri="{909E8E84-426E-40DD-AFC4-6F175D3DCCD1}">
+              <a14:hiddenFill xmlns:a14="http://schemas.microsoft.com/office/drawing/2010/main">
+                <a:solidFill>
+                  <a:srgbClr val="FFFFFF"/>
+                </a:solidFill>
+              </a14:hiddenFill>
+            </a:ext>
+          </a:extLst>
+        </p:spPr>
+      </p:pic>
+    </p:spTree>
+    <p:extLst>
+      <p:ext uri="{BB962C8B-B14F-4D97-AF65-F5344CB8AC3E}">
+        <p14:creationId xmlns:p14="http://schemas.microsoft.com/office/powerpoint/2010/main" val="2588213966"/>
+      </p:ext>
+    </p:extLst>
+  </p:cSld>
+  <p:clrMapOvr>
+    <a:masterClrMapping/>
+  </p:clrMapOvr>
+</p:sld>
+</file>
+
 <file path=ppt/slides/slide2.xml><?xml version="1.0" encoding="utf-8"?>
 <p:sld xmlns:a="http://schemas.openxmlformats.org/drawingml/2006/main" xmlns:r="http://schemas.openxmlformats.org/officeDocument/2006/relationships" xmlns:p="http://schemas.openxmlformats.org/presentationml/2006/main">
   <p:cSld>
@@ -10546,6 +10887,36 @@
           </a:p>
         </p:txBody>
       </p:sp>
+      <p:pic>
+        <p:nvPicPr>
+          <p:cNvPr id="4" name="Picture 3">
+            <a:extLst>
+              <a:ext uri="{FF2B5EF4-FFF2-40B4-BE49-F238E27FC236}">
+                <a16:creationId xmlns:a16="http://schemas.microsoft.com/office/drawing/2014/main" id="{AC11AFBA-39D6-3F6C-9C3F-182DDD177666}"/>
+              </a:ext>
+            </a:extLst>
+          </p:cNvPr>
+          <p:cNvPicPr>
+            <a:picLocks noChangeAspect="1"/>
+          </p:cNvPicPr>
+          <p:nvPr/>
+        </p:nvPicPr>
+        <p:blipFill>
+          <a:blip r:embed="rId2"/>
+          <a:stretch>
+            <a:fillRect/>
+          </a:stretch>
+        </p:blipFill>
+        <p:spPr>
+          <a:xfrm>
+            <a:off x="3018570" y="5133734"/>
+            <a:ext cx="6125430" cy="1724266"/>
+          </a:xfrm>
+          <a:prstGeom prst="rect">
+            <a:avLst/>
+          </a:prstGeom>
+        </p:spPr>
+      </p:pic>
     </p:spTree>
     <p:extLst>
       <p:ext uri="{BB962C8B-B14F-4D97-AF65-F5344CB8AC3E}">
@@ -11335,18 +11706,18 @@
 </file>
 
 <file path=customXml/item2.xml><?xml version="1.0" encoding="utf-8"?>
-<p:properties xmlns:p="http://schemas.microsoft.com/office/2006/metadata/properties" xmlns:xsi="http://www.w3.org/2001/XMLSchema-instance" xmlns:pc="http://schemas.microsoft.com/office/infopath/2007/PartnerControls">
-  <documentManagement/>
-</p:properties>
-</file>
-
-<file path=customXml/item3.xml><?xml version="1.0" encoding="utf-8"?>
 <?mso-contentType ?>
 <FormTemplates xmlns="http://schemas.microsoft.com/sharepoint/v3/contenttype/forms">
   <Display>DocumentLibraryForm</Display>
   <Edit>DocumentLibraryForm</Edit>
   <New>DocumentLibraryForm</New>
 </FormTemplates>
+</file>
+
+<file path=customXml/item3.xml><?xml version="1.0" encoding="utf-8"?>
+<p:properties xmlns:p="http://schemas.microsoft.com/office/2006/metadata/properties" xmlns:xsi="http://www.w3.org/2001/XMLSchema-instance" xmlns:pc="http://schemas.microsoft.com/office/infopath/2007/PartnerControls">
+  <documentManagement/>
+</p:properties>
 </file>
 
 <file path=customXml/itemProps1.xml><?xml version="1.0" encoding="utf-8"?>
@@ -11368,18 +11739,18 @@
 </file>
 
 <file path=customXml/itemProps2.xml><?xml version="1.0" encoding="utf-8"?>
+<ds:datastoreItem xmlns:ds="http://schemas.openxmlformats.org/officeDocument/2006/customXml" ds:itemID="{468F51B2-1CC2-431D-A1E6-36E9125CDBF8}">
+  <ds:schemaRefs>
+    <ds:schemaRef ds:uri="http://schemas.microsoft.com/sharepoint/v3/contenttype/forms"/>
+  </ds:schemaRefs>
+</ds:datastoreItem>
+</file>
+
+<file path=customXml/itemProps3.xml><?xml version="1.0" encoding="utf-8"?>
 <ds:datastoreItem xmlns:ds="http://schemas.openxmlformats.org/officeDocument/2006/customXml" ds:itemID="{7FF94FC0-E081-4FF1-A581-A49E7DE311BA}">
   <ds:schemaRefs>
     <ds:schemaRef ds:uri="http://schemas.microsoft.com/office/2006/metadata/properties"/>
     <ds:schemaRef ds:uri="http://schemas.microsoft.com/office/infopath/2007/PartnerControls"/>
   </ds:schemaRefs>
 </ds:datastoreItem>
-</file>
-
-<file path=customXml/itemProps3.xml><?xml version="1.0" encoding="utf-8"?>
-<ds:datastoreItem xmlns:ds="http://schemas.openxmlformats.org/officeDocument/2006/customXml" ds:itemID="{468F51B2-1CC2-431D-A1E6-36E9125CDBF8}">
-  <ds:schemaRefs>
-    <ds:schemaRef ds:uri="http://schemas.microsoft.com/sharepoint/v3/contenttype/forms"/>
-  </ds:schemaRefs>
-</ds:datastoreItem>
 </file>
--- a/ClassMaterials/MoreRecursionMoreInterfaces/Slides/Part1-More_Recursion.pptx
+++ b/ClassMaterials/MoreRecursionMoreInterfaces/Slides/Part1-More_Recursion.pptx
@@ -140,6 +140,35 @@
 </p:presentation>
 </file>
 
+<file path=ppt/changesInfos/changesInfo1.xml><?xml version="1.0" encoding="utf-8"?>
+<pc:chgInfo xmlns:a="http://schemas.openxmlformats.org/drawingml/2006/main" xmlns:r="http://schemas.openxmlformats.org/officeDocument/2006/relationships" xmlns:ac="http://schemas.microsoft.com/office/drawing/2013/main/command" xmlns:pc="http://schemas.microsoft.com/office/powerpoint/2013/main/command">
+  <pc:docChgLst>
+    <pc:chgData name="Yoder, Jason" userId="28f4d4d8-da04-4f86-b14d-a21675737bc5" providerId="ADAL" clId="{3F05AF59-8540-4FFD-ABDB-555FCF971782}"/>
+    <pc:docChg chg="custSel modSld">
+      <pc:chgData name="Yoder, Jason" userId="28f4d4d8-da04-4f86-b14d-a21675737bc5" providerId="ADAL" clId="{3F05AF59-8540-4FFD-ABDB-555FCF971782}" dt="2023-09-03T17:48:55.892" v="10" actId="20577"/>
+      <pc:docMkLst>
+        <pc:docMk/>
+      </pc:docMkLst>
+      <pc:sldChg chg="modSp mod">
+        <pc:chgData name="Yoder, Jason" userId="28f4d4d8-da04-4f86-b14d-a21675737bc5" providerId="ADAL" clId="{3F05AF59-8540-4FFD-ABDB-555FCF971782}" dt="2023-09-03T17:48:55.892" v="10" actId="20577"/>
+        <pc:sldMkLst>
+          <pc:docMk/>
+          <pc:sldMk cId="2111508744" sldId="256"/>
+        </pc:sldMkLst>
+        <pc:spChg chg="mod">
+          <ac:chgData name="Yoder, Jason" userId="28f4d4d8-da04-4f86-b14d-a21675737bc5" providerId="ADAL" clId="{3F05AF59-8540-4FFD-ABDB-555FCF971782}" dt="2023-09-03T17:48:55.892" v="10" actId="20577"/>
+          <ac:spMkLst>
+            <pc:docMk/>
+            <pc:sldMk cId="2111508744" sldId="256"/>
+            <ac:spMk id="4" creationId="{3C02453F-34BE-C3A3-3ED4-B04D4D22625E}"/>
+          </ac:spMkLst>
+        </pc:spChg>
+      </pc:sldChg>
+    </pc:docChg>
+  </pc:docChgLst>
+</pc:chgInfo>
+</file>
+
 <file path=ppt/notesMasters/notesMaster1.xml><?xml version="1.0" encoding="utf-8"?>
 <p:notesMaster xmlns:a="http://schemas.openxmlformats.org/drawingml/2006/main" xmlns:r="http://schemas.openxmlformats.org/officeDocument/2006/relationships" xmlns:p="http://schemas.openxmlformats.org/presentationml/2006/main">
   <p:cSld>
@@ -222,7 +251,7 @@
           <a:p>
             <a:fld id="{01A9AFE8-3E8D-E148-BA98-12759F2DD8EB}" type="datetimeFigureOut">
               <a:rPr lang="en-US" smtClean="0"/>
-              <a:t>4/17/2023</a:t>
+              <a:t>9/3/2023</a:t>
             </a:fld>
             <a:endParaRPr lang="en-US"/>
           </a:p>
@@ -1386,7 +1415,7 @@
           <a:p>
             <a:fld id="{E6E52604-4630-4861-9364-F52CA104A3D5}" type="datetimeFigureOut">
               <a:rPr lang="en-US" smtClean="0"/>
-              <a:t>4/17/2023</a:t>
+              <a:t>9/3/2023</a:t>
             </a:fld>
             <a:endParaRPr lang="en-US"/>
           </a:p>
@@ -1554,7 +1583,7 @@
           <a:p>
             <a:fld id="{E6E52604-4630-4861-9364-F52CA104A3D5}" type="datetimeFigureOut">
               <a:rPr lang="en-US" smtClean="0"/>
-              <a:t>4/17/2023</a:t>
+              <a:t>9/3/2023</a:t>
             </a:fld>
             <a:endParaRPr lang="en-US"/>
           </a:p>
@@ -1732,7 +1761,7 @@
           <a:p>
             <a:fld id="{E6E52604-4630-4861-9364-F52CA104A3D5}" type="datetimeFigureOut">
               <a:rPr lang="en-US" smtClean="0"/>
-              <a:t>4/17/2023</a:t>
+              <a:t>9/3/2023</a:t>
             </a:fld>
             <a:endParaRPr lang="en-US"/>
           </a:p>
@@ -1900,7 +1929,7 @@
           <a:p>
             <a:fld id="{E6E52604-4630-4861-9364-F52CA104A3D5}" type="datetimeFigureOut">
               <a:rPr lang="en-US" smtClean="0"/>
-              <a:t>4/17/2023</a:t>
+              <a:t>9/3/2023</a:t>
             </a:fld>
             <a:endParaRPr lang="en-US"/>
           </a:p>
@@ -2145,7 +2174,7 @@
           <a:p>
             <a:fld id="{E6E52604-4630-4861-9364-F52CA104A3D5}" type="datetimeFigureOut">
               <a:rPr lang="en-US" smtClean="0"/>
-              <a:t>4/17/2023</a:t>
+              <a:t>9/3/2023</a:t>
             </a:fld>
             <a:endParaRPr lang="en-US"/>
           </a:p>
@@ -2430,7 +2459,7 @@
           <a:p>
             <a:fld id="{E6E52604-4630-4861-9364-F52CA104A3D5}" type="datetimeFigureOut">
               <a:rPr lang="en-US" smtClean="0"/>
-              <a:t>4/17/2023</a:t>
+              <a:t>9/3/2023</a:t>
             </a:fld>
             <a:endParaRPr lang="en-US"/>
           </a:p>
@@ -2849,7 +2878,7 @@
           <a:p>
             <a:fld id="{E6E52604-4630-4861-9364-F52CA104A3D5}" type="datetimeFigureOut">
               <a:rPr lang="en-US" smtClean="0"/>
-              <a:t>4/17/2023</a:t>
+              <a:t>9/3/2023</a:t>
             </a:fld>
             <a:endParaRPr lang="en-US"/>
           </a:p>
@@ -2966,7 +2995,7 @@
           <a:p>
             <a:fld id="{E6E52604-4630-4861-9364-F52CA104A3D5}" type="datetimeFigureOut">
               <a:rPr lang="en-US" smtClean="0"/>
-              <a:t>4/17/2023</a:t>
+              <a:t>9/3/2023</a:t>
             </a:fld>
             <a:endParaRPr lang="en-US"/>
           </a:p>
@@ -3061,7 +3090,7 @@
           <a:p>
             <a:fld id="{E6E52604-4630-4861-9364-F52CA104A3D5}" type="datetimeFigureOut">
               <a:rPr lang="en-US" smtClean="0"/>
-              <a:t>4/17/2023</a:t>
+              <a:t>9/3/2023</a:t>
             </a:fld>
             <a:endParaRPr lang="en-US"/>
           </a:p>
@@ -3336,7 +3365,7 @@
           <a:p>
             <a:fld id="{E6E52604-4630-4861-9364-F52CA104A3D5}" type="datetimeFigureOut">
               <a:rPr lang="en-US" smtClean="0"/>
-              <a:t>4/17/2023</a:t>
+              <a:t>9/3/2023</a:t>
             </a:fld>
             <a:endParaRPr lang="en-US"/>
           </a:p>
@@ -3588,7 +3617,7 @@
           <a:p>
             <a:fld id="{E6E52604-4630-4861-9364-F52CA104A3D5}" type="datetimeFigureOut">
               <a:rPr lang="en-US" smtClean="0"/>
-              <a:t>4/17/2023</a:t>
+              <a:t>9/3/2023</a:t>
             </a:fld>
             <a:endParaRPr lang="en-US"/>
           </a:p>
@@ -3799,7 +3828,7 @@
           <a:p>
             <a:fld id="{E6E52604-4630-4861-9364-F52CA104A3D5}" type="datetimeFigureOut">
               <a:rPr lang="en-US" smtClean="0"/>
-              <a:t>4/17/2023</a:t>
+              <a:t>9/3/2023</a:t>
             </a:fld>
             <a:endParaRPr lang="en-US"/>
           </a:p>
@@ -4421,18 +4450,21 @@
           </a:p>
           <a:p>
             <a:r>
-              <a:rPr lang="en-US" sz="4400">
+              <a:rPr lang="en-US" sz="4400" dirty="0" err="1">
                 <a:highlight>
                   <a:srgbClr val="FFFF00"/>
                 </a:highlight>
               </a:rPr>
-              <a:t>__________</a:t>
-            </a:r>
-            <a:endParaRPr lang="en-US" sz="4400" dirty="0">
-              <a:highlight>
-                <a:srgbClr val="FFFF00"/>
-              </a:highlight>
-            </a:endParaRPr>
+              <a:t>morefun</a:t>
+            </a:r>
+            <a:r>
+              <a:rPr lang="en-US" sz="4400" dirty="0">
+                <a:highlight>
+                  <a:srgbClr val="FFFF00"/>
+                </a:highlight>
+              </a:rPr>
+              <a:t>!</a:t>
+            </a:r>
           </a:p>
         </p:txBody>
       </p:sp>
@@ -11536,6 +11568,15 @@
 </file>
 
 <file path=customXml/item1.xml><?xml version="1.0" encoding="utf-8"?>
+<?mso-contentType ?>
+<FormTemplates xmlns="http://schemas.microsoft.com/sharepoint/v3/contenttype/forms">
+  <Display>DocumentLibraryForm</Display>
+  <Edit>DocumentLibraryForm</Edit>
+  <New>DocumentLibraryForm</New>
+</FormTemplates>
+</file>
+
+<file path=customXml/item2.xml><?xml version="1.0" encoding="utf-8"?>
 <ct:contentTypeSchema xmlns:ct="http://schemas.microsoft.com/office/2006/metadata/contentType" xmlns:ma="http://schemas.microsoft.com/office/2006/metadata/properties/metaAttributes" ct:_="" ma:_="" ma:contentTypeName="Document" ma:contentTypeID="0x0101001570BCAAD2E4294F9443DCB038A55380" ma:contentTypeVersion="8" ma:contentTypeDescription="Create a new document." ma:contentTypeScope="" ma:versionID="9523c79d6bab9e2ad858b5223ec5ed94">
   <xsd:schema xmlns:xsd="http://www.w3.org/2001/XMLSchema" xmlns:xs="http://www.w3.org/2001/XMLSchema" xmlns:p="http://schemas.microsoft.com/office/2006/metadata/properties" xmlns:ns2="201674f6-2bdd-4f13-ba1e-424e4aa70473" targetNamespace="http://schemas.microsoft.com/office/2006/metadata/properties" ma:root="true" ma:fieldsID="587afc94f70b507ec5be5f4d78229b0b" ns2:_="">
     <xsd:import namespace="201674f6-2bdd-4f13-ba1e-424e4aa70473"/>
@@ -11705,15 +11746,6 @@
 </ct:contentTypeSchema>
 </file>
 
-<file path=customXml/item2.xml><?xml version="1.0" encoding="utf-8"?>
-<?mso-contentType ?>
-<FormTemplates xmlns="http://schemas.microsoft.com/sharepoint/v3/contenttype/forms">
-  <Display>DocumentLibraryForm</Display>
-  <Edit>DocumentLibraryForm</Edit>
-  <New>DocumentLibraryForm</New>
-</FormTemplates>
-</file>
-
 <file path=customXml/item3.xml><?xml version="1.0" encoding="utf-8"?>
 <p:properties xmlns:p="http://schemas.microsoft.com/office/2006/metadata/properties" xmlns:xsi="http://www.w3.org/2001/XMLSchema-instance" xmlns:pc="http://schemas.microsoft.com/office/infopath/2007/PartnerControls">
   <documentManagement/>
@@ -11721,6 +11753,14 @@
 </file>
 
 <file path=customXml/itemProps1.xml><?xml version="1.0" encoding="utf-8"?>
+<ds:datastoreItem xmlns:ds="http://schemas.openxmlformats.org/officeDocument/2006/customXml" ds:itemID="{468F51B2-1CC2-431D-A1E6-36E9125CDBF8}">
+  <ds:schemaRefs>
+    <ds:schemaRef ds:uri="http://schemas.microsoft.com/sharepoint/v3/contenttype/forms"/>
+  </ds:schemaRefs>
+</ds:datastoreItem>
+</file>
+
+<file path=customXml/itemProps2.xml><?xml version="1.0" encoding="utf-8"?>
 <ds:datastoreItem xmlns:ds="http://schemas.openxmlformats.org/officeDocument/2006/customXml" ds:itemID="{931EB6B9-E880-4991-9333-83CD2EDC47E1}">
   <ds:schemaRefs>
     <ds:schemaRef ds:uri="http://schemas.microsoft.com/office/2006/metadata/contentType"/>
@@ -11738,14 +11778,6 @@
 </ds:datastoreItem>
 </file>
 
-<file path=customXml/itemProps2.xml><?xml version="1.0" encoding="utf-8"?>
-<ds:datastoreItem xmlns:ds="http://schemas.openxmlformats.org/officeDocument/2006/customXml" ds:itemID="{468F51B2-1CC2-431D-A1E6-36E9125CDBF8}">
-  <ds:schemaRefs>
-    <ds:schemaRef ds:uri="http://schemas.microsoft.com/sharepoint/v3/contenttype/forms"/>
-  </ds:schemaRefs>
-</ds:datastoreItem>
-</file>
-
 <file path=customXml/itemProps3.xml><?xml version="1.0" encoding="utf-8"?>
 <ds:datastoreItem xmlns:ds="http://schemas.openxmlformats.org/officeDocument/2006/customXml" ds:itemID="{7FF94FC0-E081-4FF1-A581-A49E7DE311BA}">
   <ds:schemaRefs>

--- a/ClassMaterials/MoreRecursionMoreInterfaces/Slides/Part1-More_Recursion.pptx
+++ b/ClassMaterials/MoreRecursionMoreInterfaces/Slides/Part1-More_Recursion.pptx
@@ -140,35 +140,6 @@
 </p:presentation>
 </file>
 
-<file path=ppt/changesInfos/changesInfo1.xml><?xml version="1.0" encoding="utf-8"?>
-<pc:chgInfo xmlns:a="http://schemas.openxmlformats.org/drawingml/2006/main" xmlns:r="http://schemas.openxmlformats.org/officeDocument/2006/relationships" xmlns:ac="http://schemas.microsoft.com/office/drawing/2013/main/command" xmlns:pc="http://schemas.microsoft.com/office/powerpoint/2013/main/command">
-  <pc:docChgLst>
-    <pc:chgData name="Yoder, Jason" userId="28f4d4d8-da04-4f86-b14d-a21675737bc5" providerId="ADAL" clId="{3F05AF59-8540-4FFD-ABDB-555FCF971782}"/>
-    <pc:docChg chg="custSel modSld">
-      <pc:chgData name="Yoder, Jason" userId="28f4d4d8-da04-4f86-b14d-a21675737bc5" providerId="ADAL" clId="{3F05AF59-8540-4FFD-ABDB-555FCF971782}" dt="2023-09-03T17:48:55.892" v="10" actId="20577"/>
-      <pc:docMkLst>
-        <pc:docMk/>
-      </pc:docMkLst>
-      <pc:sldChg chg="modSp mod">
-        <pc:chgData name="Yoder, Jason" userId="28f4d4d8-da04-4f86-b14d-a21675737bc5" providerId="ADAL" clId="{3F05AF59-8540-4FFD-ABDB-555FCF971782}" dt="2023-09-03T17:48:55.892" v="10" actId="20577"/>
-        <pc:sldMkLst>
-          <pc:docMk/>
-          <pc:sldMk cId="2111508744" sldId="256"/>
-        </pc:sldMkLst>
-        <pc:spChg chg="mod">
-          <ac:chgData name="Yoder, Jason" userId="28f4d4d8-da04-4f86-b14d-a21675737bc5" providerId="ADAL" clId="{3F05AF59-8540-4FFD-ABDB-555FCF971782}" dt="2023-09-03T17:48:55.892" v="10" actId="20577"/>
-          <ac:spMkLst>
-            <pc:docMk/>
-            <pc:sldMk cId="2111508744" sldId="256"/>
-            <ac:spMk id="4" creationId="{3C02453F-34BE-C3A3-3ED4-B04D4D22625E}"/>
-          </ac:spMkLst>
-        </pc:spChg>
-      </pc:sldChg>
-    </pc:docChg>
-  </pc:docChgLst>
-</pc:chgInfo>
-</file>
-
 <file path=ppt/notesMasters/notesMaster1.xml><?xml version="1.0" encoding="utf-8"?>
 <p:notesMaster xmlns:a="http://schemas.openxmlformats.org/drawingml/2006/main" xmlns:r="http://schemas.openxmlformats.org/officeDocument/2006/relationships" xmlns:p="http://schemas.openxmlformats.org/presentationml/2006/main">
   <p:cSld>
@@ -251,7 +222,7 @@
           <a:p>
             <a:fld id="{01A9AFE8-3E8D-E148-BA98-12759F2DD8EB}" type="datetimeFigureOut">
               <a:rPr lang="en-US" smtClean="0"/>
-              <a:t>9/3/2023</a:t>
+              <a:t>4/17/2023</a:t>
             </a:fld>
             <a:endParaRPr lang="en-US"/>
           </a:p>
@@ -1415,7 +1386,7 @@
           <a:p>
             <a:fld id="{E6E52604-4630-4861-9364-F52CA104A3D5}" type="datetimeFigureOut">
               <a:rPr lang="en-US" smtClean="0"/>
-              <a:t>9/3/2023</a:t>
+              <a:t>4/17/2023</a:t>
             </a:fld>
             <a:endParaRPr lang="en-US"/>
           </a:p>
@@ -1583,7 +1554,7 @@
           <a:p>
             <a:fld id="{E6E52604-4630-4861-9364-F52CA104A3D5}" type="datetimeFigureOut">
               <a:rPr lang="en-US" smtClean="0"/>
-              <a:t>9/3/2023</a:t>
+              <a:t>4/17/2023</a:t>
             </a:fld>
             <a:endParaRPr lang="en-US"/>
           </a:p>
@@ -1761,7 +1732,7 @@
           <a:p>
             <a:fld id="{E6E52604-4630-4861-9364-F52CA104A3D5}" type="datetimeFigureOut">
               <a:rPr lang="en-US" smtClean="0"/>
-              <a:t>9/3/2023</a:t>
+              <a:t>4/17/2023</a:t>
             </a:fld>
             <a:endParaRPr lang="en-US"/>
           </a:p>
@@ -1929,7 +1900,7 @@
           <a:p>
             <a:fld id="{E6E52604-4630-4861-9364-F52CA104A3D5}" type="datetimeFigureOut">
               <a:rPr lang="en-US" smtClean="0"/>
-              <a:t>9/3/2023</a:t>
+              <a:t>4/17/2023</a:t>
             </a:fld>
             <a:endParaRPr lang="en-US"/>
           </a:p>
@@ -2174,7 +2145,7 @@
           <a:p>
             <a:fld id="{E6E52604-4630-4861-9364-F52CA104A3D5}" type="datetimeFigureOut">
               <a:rPr lang="en-US" smtClean="0"/>
-              <a:t>9/3/2023</a:t>
+              <a:t>4/17/2023</a:t>
             </a:fld>
             <a:endParaRPr lang="en-US"/>
           </a:p>
@@ -2459,7 +2430,7 @@
           <a:p>
             <a:fld id="{E6E52604-4630-4861-9364-F52CA104A3D5}" type="datetimeFigureOut">
               <a:rPr lang="en-US" smtClean="0"/>
-              <a:t>9/3/2023</a:t>
+              <a:t>4/17/2023</a:t>
             </a:fld>
             <a:endParaRPr lang="en-US"/>
           </a:p>
@@ -2878,7 +2849,7 @@
           <a:p>
             <a:fld id="{E6E52604-4630-4861-9364-F52CA104A3D5}" type="datetimeFigureOut">
               <a:rPr lang="en-US" smtClean="0"/>
-              <a:t>9/3/2023</a:t>
+              <a:t>4/17/2023</a:t>
             </a:fld>
             <a:endParaRPr lang="en-US"/>
           </a:p>
@@ -2995,7 +2966,7 @@
           <a:p>
             <a:fld id="{E6E52604-4630-4861-9364-F52CA104A3D5}" type="datetimeFigureOut">
               <a:rPr lang="en-US" smtClean="0"/>
-              <a:t>9/3/2023</a:t>
+              <a:t>4/17/2023</a:t>
             </a:fld>
             <a:endParaRPr lang="en-US"/>
           </a:p>
@@ -3090,7 +3061,7 @@
           <a:p>
             <a:fld id="{E6E52604-4630-4861-9364-F52CA104A3D5}" type="datetimeFigureOut">
               <a:rPr lang="en-US" smtClean="0"/>
-              <a:t>9/3/2023</a:t>
+              <a:t>4/17/2023</a:t>
             </a:fld>
             <a:endParaRPr lang="en-US"/>
           </a:p>
@@ -3365,7 +3336,7 @@
           <a:p>
             <a:fld id="{E6E52604-4630-4861-9364-F52CA104A3D5}" type="datetimeFigureOut">
               <a:rPr lang="en-US" smtClean="0"/>
-              <a:t>9/3/2023</a:t>
+              <a:t>4/17/2023</a:t>
             </a:fld>
             <a:endParaRPr lang="en-US"/>
           </a:p>
@@ -3617,7 +3588,7 @@
           <a:p>
             <a:fld id="{E6E52604-4630-4861-9364-F52CA104A3D5}" type="datetimeFigureOut">
               <a:rPr lang="en-US" smtClean="0"/>
-              <a:t>9/3/2023</a:t>
+              <a:t>4/17/2023</a:t>
             </a:fld>
             <a:endParaRPr lang="en-US"/>
           </a:p>
@@ -3828,7 +3799,7 @@
           <a:p>
             <a:fld id="{E6E52604-4630-4861-9364-F52CA104A3D5}" type="datetimeFigureOut">
               <a:rPr lang="en-US" smtClean="0"/>
-              <a:t>9/3/2023</a:t>
+              <a:t>4/17/2023</a:t>
             </a:fld>
             <a:endParaRPr lang="en-US"/>
           </a:p>
@@ -4450,21 +4421,18 @@
           </a:p>
           <a:p>
             <a:r>
-              <a:rPr lang="en-US" sz="4400" dirty="0" err="1">
+              <a:rPr lang="en-US" sz="4400">
                 <a:highlight>
                   <a:srgbClr val="FFFF00"/>
                 </a:highlight>
               </a:rPr>
-              <a:t>morefun</a:t>
-            </a:r>
-            <a:r>
-              <a:rPr lang="en-US" sz="4400" dirty="0">
-                <a:highlight>
-                  <a:srgbClr val="FFFF00"/>
-                </a:highlight>
-              </a:rPr>
-              <a:t>!</a:t>
-            </a:r>
+              <a:t>__________</a:t>
+            </a:r>
+            <a:endParaRPr lang="en-US" sz="4400" dirty="0">
+              <a:highlight>
+                <a:srgbClr val="FFFF00"/>
+              </a:highlight>
+            </a:endParaRPr>
           </a:p>
         </p:txBody>
       </p:sp>
@@ -11568,15 +11536,6 @@
 </file>
 
 <file path=customXml/item1.xml><?xml version="1.0" encoding="utf-8"?>
-<?mso-contentType ?>
-<FormTemplates xmlns="http://schemas.microsoft.com/sharepoint/v3/contenttype/forms">
-  <Display>DocumentLibraryForm</Display>
-  <Edit>DocumentLibraryForm</Edit>
-  <New>DocumentLibraryForm</New>
-</FormTemplates>
-</file>
-
-<file path=customXml/item2.xml><?xml version="1.0" encoding="utf-8"?>
 <ct:contentTypeSchema xmlns:ct="http://schemas.microsoft.com/office/2006/metadata/contentType" xmlns:ma="http://schemas.microsoft.com/office/2006/metadata/properties/metaAttributes" ct:_="" ma:_="" ma:contentTypeName="Document" ma:contentTypeID="0x0101001570BCAAD2E4294F9443DCB038A55380" ma:contentTypeVersion="8" ma:contentTypeDescription="Create a new document." ma:contentTypeScope="" ma:versionID="9523c79d6bab9e2ad858b5223ec5ed94">
   <xsd:schema xmlns:xsd="http://www.w3.org/2001/XMLSchema" xmlns:xs="http://www.w3.org/2001/XMLSchema" xmlns:p="http://schemas.microsoft.com/office/2006/metadata/properties" xmlns:ns2="201674f6-2bdd-4f13-ba1e-424e4aa70473" targetNamespace="http://schemas.microsoft.com/office/2006/metadata/properties" ma:root="true" ma:fieldsID="587afc94f70b507ec5be5f4d78229b0b" ns2:_="">
     <xsd:import namespace="201674f6-2bdd-4f13-ba1e-424e4aa70473"/>
@@ -11746,6 +11705,15 @@
 </ct:contentTypeSchema>
 </file>
 
+<file path=customXml/item2.xml><?xml version="1.0" encoding="utf-8"?>
+<?mso-contentType ?>
+<FormTemplates xmlns="http://schemas.microsoft.com/sharepoint/v3/contenttype/forms">
+  <Display>DocumentLibraryForm</Display>
+  <Edit>DocumentLibraryForm</Edit>
+  <New>DocumentLibraryForm</New>
+</FormTemplates>
+</file>
+
 <file path=customXml/item3.xml><?xml version="1.0" encoding="utf-8"?>
 <p:properties xmlns:p="http://schemas.microsoft.com/office/2006/metadata/properties" xmlns:xsi="http://www.w3.org/2001/XMLSchema-instance" xmlns:pc="http://schemas.microsoft.com/office/infopath/2007/PartnerControls">
   <documentManagement/>
@@ -11753,14 +11721,6 @@
 </file>
 
 <file path=customXml/itemProps1.xml><?xml version="1.0" encoding="utf-8"?>
-<ds:datastoreItem xmlns:ds="http://schemas.openxmlformats.org/officeDocument/2006/customXml" ds:itemID="{468F51B2-1CC2-431D-A1E6-36E9125CDBF8}">
-  <ds:schemaRefs>
-    <ds:schemaRef ds:uri="http://schemas.microsoft.com/sharepoint/v3/contenttype/forms"/>
-  </ds:schemaRefs>
-</ds:datastoreItem>
-</file>
-
-<file path=customXml/itemProps2.xml><?xml version="1.0" encoding="utf-8"?>
 <ds:datastoreItem xmlns:ds="http://schemas.openxmlformats.org/officeDocument/2006/customXml" ds:itemID="{931EB6B9-E880-4991-9333-83CD2EDC47E1}">
   <ds:schemaRefs>
     <ds:schemaRef ds:uri="http://schemas.microsoft.com/office/2006/metadata/contentType"/>
@@ -11778,6 +11738,14 @@
 </ds:datastoreItem>
 </file>
 
+<file path=customXml/itemProps2.xml><?xml version="1.0" encoding="utf-8"?>
+<ds:datastoreItem xmlns:ds="http://schemas.openxmlformats.org/officeDocument/2006/customXml" ds:itemID="{468F51B2-1CC2-431D-A1E6-36E9125CDBF8}">
+  <ds:schemaRefs>
+    <ds:schemaRef ds:uri="http://schemas.microsoft.com/sharepoint/v3/contenttype/forms"/>
+  </ds:schemaRefs>
+</ds:datastoreItem>
+</file>
+
 <file path=customXml/itemProps3.xml><?xml version="1.0" encoding="utf-8"?>
 <ds:datastoreItem xmlns:ds="http://schemas.openxmlformats.org/officeDocument/2006/customXml" ds:itemID="{7FF94FC0-E081-4FF1-A581-A49E7DE311BA}">
   <ds:schemaRefs>

--- a/ClassMaterials/MoreRecursionMoreInterfaces/Slides/Part1-More_Recursion.pptx
+++ b/ClassMaterials/MoreRecursionMoreInterfaces/Slides/Part1-More_Recursion.pptx
@@ -140,6 +140,43 @@
 </p:presentation>
 </file>
 
+<file path=ppt/changesInfos/changesInfo1.xml><?xml version="1.0" encoding="utf-8"?>
+<pc:chgInfo xmlns:a="http://schemas.openxmlformats.org/drawingml/2006/main" xmlns:r="http://schemas.openxmlformats.org/officeDocument/2006/relationships" xmlns:ac="http://schemas.microsoft.com/office/drawing/2013/main/command" xmlns:pc="http://schemas.microsoft.com/office/powerpoint/2013/main/command">
+  <pc:docChgLst>
+    <pc:chgData name="Yoder, Jason" userId="28f4d4d8-da04-4f86-b14d-a21675737bc5" providerId="ADAL" clId="{F9BAD581-0D70-403C-908B-F5620B5CDE61}"/>
+    <pc:docChg chg="custSel modSld">
+      <pc:chgData name="Yoder, Jason" userId="28f4d4d8-da04-4f86-b14d-a21675737bc5" providerId="ADAL" clId="{F9BAD581-0D70-403C-908B-F5620B5CDE61}" dt="2023-11-21T17:22:24.580" v="2" actId="1076"/>
+      <pc:docMkLst>
+        <pc:docMk/>
+      </pc:docMkLst>
+      <pc:sldChg chg="addSp delSp modSp mod">
+        <pc:chgData name="Yoder, Jason" userId="28f4d4d8-da04-4f86-b14d-a21675737bc5" providerId="ADAL" clId="{F9BAD581-0D70-403C-908B-F5620B5CDE61}" dt="2023-11-21T17:22:24.580" v="2" actId="1076"/>
+        <pc:sldMkLst>
+          <pc:docMk/>
+          <pc:sldMk cId="2111508744" sldId="256"/>
+        </pc:sldMkLst>
+        <pc:picChg chg="add mod">
+          <ac:chgData name="Yoder, Jason" userId="28f4d4d8-da04-4f86-b14d-a21675737bc5" providerId="ADAL" clId="{F9BAD581-0D70-403C-908B-F5620B5CDE61}" dt="2023-11-21T17:22:24.580" v="2" actId="1076"/>
+          <ac:picMkLst>
+            <pc:docMk/>
+            <pc:sldMk cId="2111508744" sldId="256"/>
+            <ac:picMk id="7" creationId="{1DB20DAE-BF31-8EB6-80FF-18265AF3D36C}"/>
+          </ac:picMkLst>
+        </pc:picChg>
+        <pc:picChg chg="del">
+          <ac:chgData name="Yoder, Jason" userId="28f4d4d8-da04-4f86-b14d-a21675737bc5" providerId="ADAL" clId="{F9BAD581-0D70-403C-908B-F5620B5CDE61}" dt="2023-11-21T17:22:21.609" v="0" actId="478"/>
+          <ac:picMkLst>
+            <pc:docMk/>
+            <pc:sldMk cId="2111508744" sldId="256"/>
+            <ac:picMk id="10" creationId="{5DBC6CA4-5A8B-1061-C755-B292992B6390}"/>
+          </ac:picMkLst>
+        </pc:picChg>
+      </pc:sldChg>
+    </pc:docChg>
+  </pc:docChgLst>
+</pc:chgInfo>
+</file>
+
 <file path=ppt/notesMasters/notesMaster1.xml><?xml version="1.0" encoding="utf-8"?>
 <p:notesMaster xmlns:a="http://schemas.openxmlformats.org/drawingml/2006/main" xmlns:r="http://schemas.openxmlformats.org/officeDocument/2006/relationships" xmlns:p="http://schemas.openxmlformats.org/presentationml/2006/main">
   <p:cSld>
@@ -222,7 +259,7 @@
           <a:p>
             <a:fld id="{01A9AFE8-3E8D-E148-BA98-12759F2DD8EB}" type="datetimeFigureOut">
               <a:rPr lang="en-US" smtClean="0"/>
-              <a:t>4/17/2023</a:t>
+              <a:t>11/21/2023</a:t>
             </a:fld>
             <a:endParaRPr lang="en-US"/>
           </a:p>
@@ -1386,7 +1423,7 @@
           <a:p>
             <a:fld id="{E6E52604-4630-4861-9364-F52CA104A3D5}" type="datetimeFigureOut">
               <a:rPr lang="en-US" smtClean="0"/>
-              <a:t>4/17/2023</a:t>
+              <a:t>11/21/2023</a:t>
             </a:fld>
             <a:endParaRPr lang="en-US"/>
           </a:p>
@@ -1554,7 +1591,7 @@
           <a:p>
             <a:fld id="{E6E52604-4630-4861-9364-F52CA104A3D5}" type="datetimeFigureOut">
               <a:rPr lang="en-US" smtClean="0"/>
-              <a:t>4/17/2023</a:t>
+              <a:t>11/21/2023</a:t>
             </a:fld>
             <a:endParaRPr lang="en-US"/>
           </a:p>
@@ -1732,7 +1769,7 @@
           <a:p>
             <a:fld id="{E6E52604-4630-4861-9364-F52CA104A3D5}" type="datetimeFigureOut">
               <a:rPr lang="en-US" smtClean="0"/>
-              <a:t>4/17/2023</a:t>
+              <a:t>11/21/2023</a:t>
             </a:fld>
             <a:endParaRPr lang="en-US"/>
           </a:p>
@@ -1900,7 +1937,7 @@
           <a:p>
             <a:fld id="{E6E52604-4630-4861-9364-F52CA104A3D5}" type="datetimeFigureOut">
               <a:rPr lang="en-US" smtClean="0"/>
-              <a:t>4/17/2023</a:t>
+              <a:t>11/21/2023</a:t>
             </a:fld>
             <a:endParaRPr lang="en-US"/>
           </a:p>
@@ -2145,7 +2182,7 @@
           <a:p>
             <a:fld id="{E6E52604-4630-4861-9364-F52CA104A3D5}" type="datetimeFigureOut">
               <a:rPr lang="en-US" smtClean="0"/>
-              <a:t>4/17/2023</a:t>
+              <a:t>11/21/2023</a:t>
             </a:fld>
             <a:endParaRPr lang="en-US"/>
           </a:p>
@@ -2430,7 +2467,7 @@
           <a:p>
             <a:fld id="{E6E52604-4630-4861-9364-F52CA104A3D5}" type="datetimeFigureOut">
               <a:rPr lang="en-US" smtClean="0"/>
-              <a:t>4/17/2023</a:t>
+              <a:t>11/21/2023</a:t>
             </a:fld>
             <a:endParaRPr lang="en-US"/>
           </a:p>
@@ -2849,7 +2886,7 @@
           <a:p>
             <a:fld id="{E6E52604-4630-4861-9364-F52CA104A3D5}" type="datetimeFigureOut">
               <a:rPr lang="en-US" smtClean="0"/>
-              <a:t>4/17/2023</a:t>
+              <a:t>11/21/2023</a:t>
             </a:fld>
             <a:endParaRPr lang="en-US"/>
           </a:p>
@@ -2966,7 +3003,7 @@
           <a:p>
             <a:fld id="{E6E52604-4630-4861-9364-F52CA104A3D5}" type="datetimeFigureOut">
               <a:rPr lang="en-US" smtClean="0"/>
-              <a:t>4/17/2023</a:t>
+              <a:t>11/21/2023</a:t>
             </a:fld>
             <a:endParaRPr lang="en-US"/>
           </a:p>
@@ -3061,7 +3098,7 @@
           <a:p>
             <a:fld id="{E6E52604-4630-4861-9364-F52CA104A3D5}" type="datetimeFigureOut">
               <a:rPr lang="en-US" smtClean="0"/>
-              <a:t>4/17/2023</a:t>
+              <a:t>11/21/2023</a:t>
             </a:fld>
             <a:endParaRPr lang="en-US"/>
           </a:p>
@@ -3336,7 +3373,7 @@
           <a:p>
             <a:fld id="{E6E52604-4630-4861-9364-F52CA104A3D5}" type="datetimeFigureOut">
               <a:rPr lang="en-US" smtClean="0"/>
-              <a:t>4/17/2023</a:t>
+              <a:t>11/21/2023</a:t>
             </a:fld>
             <a:endParaRPr lang="en-US"/>
           </a:p>
@@ -3588,7 +3625,7 @@
           <a:p>
             <a:fld id="{E6E52604-4630-4861-9364-F52CA104A3D5}" type="datetimeFigureOut">
               <a:rPr lang="en-US" smtClean="0"/>
-              <a:t>4/17/2023</a:t>
+              <a:t>11/21/2023</a:t>
             </a:fld>
             <a:endParaRPr lang="en-US"/>
           </a:p>
@@ -3799,7 +3836,7 @@
           <a:p>
             <a:fld id="{E6E52604-4630-4861-9364-F52CA104A3D5}" type="datetimeFigureOut">
               <a:rPr lang="en-US" smtClean="0"/>
-              <a:t>4/17/2023</a:t>
+              <a:t>11/21/2023</a:t>
             </a:fld>
             <a:endParaRPr lang="en-US"/>
           </a:p>
@@ -4335,36 +4372,6 @@
           </a:p>
         </p:txBody>
       </p:sp>
-      <p:pic>
-        <p:nvPicPr>
-          <p:cNvPr id="10" name="Picture 9">
-            <a:extLst>
-              <a:ext uri="{FF2B5EF4-FFF2-40B4-BE49-F238E27FC236}">
-                <a16:creationId xmlns:a16="http://schemas.microsoft.com/office/drawing/2014/main" id="{5DBC6CA4-5A8B-1061-C755-B292992B6390}"/>
-              </a:ext>
-            </a:extLst>
-          </p:cNvPr>
-          <p:cNvPicPr>
-            <a:picLocks noChangeAspect="1"/>
-          </p:cNvPicPr>
-          <p:nvPr/>
-        </p:nvPicPr>
-        <p:blipFill>
-          <a:blip r:embed="rId3"/>
-          <a:stretch>
-            <a:fillRect/>
-          </a:stretch>
-        </p:blipFill>
-        <p:spPr>
-          <a:xfrm>
-            <a:off x="6019800" y="4690951"/>
-            <a:ext cx="2676899" cy="1590897"/>
-          </a:xfrm>
-          <a:prstGeom prst="rect">
-            <a:avLst/>
-          </a:prstGeom>
-        </p:spPr>
-      </p:pic>
       <p:sp>
         <p:nvSpPr>
           <p:cNvPr id="4" name="TextBox 3">
@@ -4451,7 +4458,7 @@
           <p:nvPr/>
         </p:nvPicPr>
         <p:blipFill>
-          <a:blip r:embed="rId4"/>
+          <a:blip r:embed="rId3"/>
           <a:stretch>
             <a:fillRect/>
           </a:stretch>
@@ -4460,6 +4467,36 @@
           <a:xfrm>
             <a:off x="5937409" y="1015626"/>
             <a:ext cx="2816626" cy="2439173"/>
+          </a:xfrm>
+          <a:prstGeom prst="rect">
+            <a:avLst/>
+          </a:prstGeom>
+        </p:spPr>
+      </p:pic>
+      <p:pic>
+        <p:nvPicPr>
+          <p:cNvPr id="7" name="Picture 6">
+            <a:extLst>
+              <a:ext uri="{FF2B5EF4-FFF2-40B4-BE49-F238E27FC236}">
+                <a16:creationId xmlns:a16="http://schemas.microsoft.com/office/drawing/2014/main" id="{1DB20DAE-BF31-8EB6-80FF-18265AF3D36C}"/>
+              </a:ext>
+            </a:extLst>
+          </p:cNvPr>
+          <p:cNvPicPr>
+            <a:picLocks noChangeAspect="1"/>
+          </p:cNvPicPr>
+          <p:nvPr/>
+        </p:nvPicPr>
+        <p:blipFill>
+          <a:blip r:embed="rId4"/>
+          <a:stretch>
+            <a:fillRect/>
+          </a:stretch>
+        </p:blipFill>
+        <p:spPr>
+          <a:xfrm>
+            <a:off x="6254947" y="4772228"/>
+            <a:ext cx="2457793" cy="1381318"/>
           </a:xfrm>
           <a:prstGeom prst="rect">
             <a:avLst/>
@@ -11536,6 +11573,21 @@
 </file>
 
 <file path=customXml/item1.xml><?xml version="1.0" encoding="utf-8"?>
+<p:properties xmlns:p="http://schemas.microsoft.com/office/2006/metadata/properties" xmlns:xsi="http://www.w3.org/2001/XMLSchema-instance" xmlns:pc="http://schemas.microsoft.com/office/infopath/2007/PartnerControls">
+  <documentManagement/>
+</p:properties>
+</file>
+
+<file path=customXml/item2.xml><?xml version="1.0" encoding="utf-8"?>
+<?mso-contentType ?>
+<FormTemplates xmlns="http://schemas.microsoft.com/sharepoint/v3/contenttype/forms">
+  <Display>DocumentLibraryForm</Display>
+  <Edit>DocumentLibraryForm</Edit>
+  <New>DocumentLibraryForm</New>
+</FormTemplates>
+</file>
+
+<file path=customXml/item3.xml><?xml version="1.0" encoding="utf-8"?>
 <ct:contentTypeSchema xmlns:ct="http://schemas.microsoft.com/office/2006/metadata/contentType" xmlns:ma="http://schemas.microsoft.com/office/2006/metadata/properties/metaAttributes" ct:_="" ma:_="" ma:contentTypeName="Document" ma:contentTypeID="0x0101001570BCAAD2E4294F9443DCB038A55380" ma:contentTypeVersion="8" ma:contentTypeDescription="Create a new document." ma:contentTypeScope="" ma:versionID="9523c79d6bab9e2ad858b5223ec5ed94">
   <xsd:schema xmlns:xsd="http://www.w3.org/2001/XMLSchema" xmlns:xs="http://www.w3.org/2001/XMLSchema" xmlns:p="http://schemas.microsoft.com/office/2006/metadata/properties" xmlns:ns2="201674f6-2bdd-4f13-ba1e-424e4aa70473" targetNamespace="http://schemas.microsoft.com/office/2006/metadata/properties" ma:root="true" ma:fieldsID="587afc94f70b507ec5be5f4d78229b0b" ns2:_="">
     <xsd:import namespace="201674f6-2bdd-4f13-ba1e-424e4aa70473"/>
@@ -11705,22 +11757,24 @@
 </ct:contentTypeSchema>
 </file>
 
-<file path=customXml/item2.xml><?xml version="1.0" encoding="utf-8"?>
-<?mso-contentType ?>
-<FormTemplates xmlns="http://schemas.microsoft.com/sharepoint/v3/contenttype/forms">
-  <Display>DocumentLibraryForm</Display>
-  <Edit>DocumentLibraryForm</Edit>
-  <New>DocumentLibraryForm</New>
-</FormTemplates>
+<file path=customXml/itemProps1.xml><?xml version="1.0" encoding="utf-8"?>
+<ds:datastoreItem xmlns:ds="http://schemas.openxmlformats.org/officeDocument/2006/customXml" ds:itemID="{7FF94FC0-E081-4FF1-A581-A49E7DE311BA}">
+  <ds:schemaRefs>
+    <ds:schemaRef ds:uri="http://schemas.microsoft.com/office/2006/metadata/properties"/>
+    <ds:schemaRef ds:uri="http://schemas.microsoft.com/office/infopath/2007/PartnerControls"/>
+  </ds:schemaRefs>
+</ds:datastoreItem>
 </file>
 
-<file path=customXml/item3.xml><?xml version="1.0" encoding="utf-8"?>
-<p:properties xmlns:p="http://schemas.microsoft.com/office/2006/metadata/properties" xmlns:xsi="http://www.w3.org/2001/XMLSchema-instance" xmlns:pc="http://schemas.microsoft.com/office/infopath/2007/PartnerControls">
-  <documentManagement/>
-</p:properties>
+<file path=customXml/itemProps2.xml><?xml version="1.0" encoding="utf-8"?>
+<ds:datastoreItem xmlns:ds="http://schemas.openxmlformats.org/officeDocument/2006/customXml" ds:itemID="{468F51B2-1CC2-431D-A1E6-36E9125CDBF8}">
+  <ds:schemaRefs>
+    <ds:schemaRef ds:uri="http://schemas.microsoft.com/sharepoint/v3/contenttype/forms"/>
+  </ds:schemaRefs>
+</ds:datastoreItem>
 </file>
 
-<file path=customXml/itemProps1.xml><?xml version="1.0" encoding="utf-8"?>
+<file path=customXml/itemProps3.xml><?xml version="1.0" encoding="utf-8"?>
 <ds:datastoreItem xmlns:ds="http://schemas.openxmlformats.org/officeDocument/2006/customXml" ds:itemID="{931EB6B9-E880-4991-9333-83CD2EDC47E1}">
   <ds:schemaRefs>
     <ds:schemaRef ds:uri="http://schemas.microsoft.com/office/2006/metadata/contentType"/>
@@ -11736,21 +11790,4 @@
     <ds:schemaRef ds:uri="http://schemas.microsoft.com/internal/obd"/>
   </ds:schemaRefs>
 </ds:datastoreItem>
-</file>
-
-<file path=customXml/itemProps2.xml><?xml version="1.0" encoding="utf-8"?>
-<ds:datastoreItem xmlns:ds="http://schemas.openxmlformats.org/officeDocument/2006/customXml" ds:itemID="{468F51B2-1CC2-431D-A1E6-36E9125CDBF8}">
-  <ds:schemaRefs>
-    <ds:schemaRef ds:uri="http://schemas.microsoft.com/sharepoint/v3/contenttype/forms"/>
-  </ds:schemaRefs>
-</ds:datastoreItem>
-</file>
-
-<file path=customXml/itemProps3.xml><?xml version="1.0" encoding="utf-8"?>
-<ds:datastoreItem xmlns:ds="http://schemas.openxmlformats.org/officeDocument/2006/customXml" ds:itemID="{7FF94FC0-E081-4FF1-A581-A49E7DE311BA}">
-  <ds:schemaRefs>
-    <ds:schemaRef ds:uri="http://schemas.microsoft.com/office/2006/metadata/properties"/>
-    <ds:schemaRef ds:uri="http://schemas.microsoft.com/office/infopath/2007/PartnerControls"/>
-  </ds:schemaRefs>
-</ds:datastoreItem>
 </file>
--- a/ClassMaterials/MoreRecursionMoreInterfaces/Slides/Part1-More_Recursion.pptx
+++ b/ClassMaterials/MoreRecursionMoreInterfaces/Slides/Part1-More_Recursion.pptx
@@ -259,7 +259,7 @@
           <a:p>
             <a:fld id="{01A9AFE8-3E8D-E148-BA98-12759F2DD8EB}" type="datetimeFigureOut">
               <a:rPr lang="en-US" smtClean="0"/>
-              <a:t>11/21/2023</a:t>
+              <a:t>2/26/2024</a:t>
             </a:fld>
             <a:endParaRPr lang="en-US"/>
           </a:p>
@@ -1423,7 +1423,7 @@
           <a:p>
             <a:fld id="{E6E52604-4630-4861-9364-F52CA104A3D5}" type="datetimeFigureOut">
               <a:rPr lang="en-US" smtClean="0"/>
-              <a:t>11/21/2023</a:t>
+              <a:t>2/26/2024</a:t>
             </a:fld>
             <a:endParaRPr lang="en-US"/>
           </a:p>
@@ -1591,7 +1591,7 @@
           <a:p>
             <a:fld id="{E6E52604-4630-4861-9364-F52CA104A3D5}" type="datetimeFigureOut">
               <a:rPr lang="en-US" smtClean="0"/>
-              <a:t>11/21/2023</a:t>
+              <a:t>2/26/2024</a:t>
             </a:fld>
             <a:endParaRPr lang="en-US"/>
           </a:p>
@@ -1769,7 +1769,7 @@
           <a:p>
             <a:fld id="{E6E52604-4630-4861-9364-F52CA104A3D5}" type="datetimeFigureOut">
               <a:rPr lang="en-US" smtClean="0"/>
-              <a:t>11/21/2023</a:t>
+              <a:t>2/26/2024</a:t>
             </a:fld>
             <a:endParaRPr lang="en-US"/>
           </a:p>
@@ -1937,7 +1937,7 @@
           <a:p>
             <a:fld id="{E6E52604-4630-4861-9364-F52CA104A3D5}" type="datetimeFigureOut">
               <a:rPr lang="en-US" smtClean="0"/>
-              <a:t>11/21/2023</a:t>
+              <a:t>2/26/2024</a:t>
             </a:fld>
             <a:endParaRPr lang="en-US"/>
           </a:p>
@@ -2182,7 +2182,7 @@
           <a:p>
             <a:fld id="{E6E52604-4630-4861-9364-F52CA104A3D5}" type="datetimeFigureOut">
               <a:rPr lang="en-US" smtClean="0"/>
-              <a:t>11/21/2023</a:t>
+              <a:t>2/26/2024</a:t>
             </a:fld>
             <a:endParaRPr lang="en-US"/>
           </a:p>
@@ -2467,7 +2467,7 @@
           <a:p>
             <a:fld id="{E6E52604-4630-4861-9364-F52CA104A3D5}" type="datetimeFigureOut">
               <a:rPr lang="en-US" smtClean="0"/>
-              <a:t>11/21/2023</a:t>
+              <a:t>2/26/2024</a:t>
             </a:fld>
             <a:endParaRPr lang="en-US"/>
           </a:p>
@@ -2886,7 +2886,7 @@
           <a:p>
             <a:fld id="{E6E52604-4630-4861-9364-F52CA104A3D5}" type="datetimeFigureOut">
               <a:rPr lang="en-US" smtClean="0"/>
-              <a:t>11/21/2023</a:t>
+              <a:t>2/26/2024</a:t>
             </a:fld>
             <a:endParaRPr lang="en-US"/>
           </a:p>
@@ -3003,7 +3003,7 @@
           <a:p>
             <a:fld id="{E6E52604-4630-4861-9364-F52CA104A3D5}" type="datetimeFigureOut">
               <a:rPr lang="en-US" smtClean="0"/>
-              <a:t>11/21/2023</a:t>
+              <a:t>2/26/2024</a:t>
             </a:fld>
             <a:endParaRPr lang="en-US"/>
           </a:p>
@@ -3098,7 +3098,7 @@
           <a:p>
             <a:fld id="{E6E52604-4630-4861-9364-F52CA104A3D5}" type="datetimeFigureOut">
               <a:rPr lang="en-US" smtClean="0"/>
-              <a:t>11/21/2023</a:t>
+              <a:t>2/26/2024</a:t>
             </a:fld>
             <a:endParaRPr lang="en-US"/>
           </a:p>
@@ -3373,7 +3373,7 @@
           <a:p>
             <a:fld id="{E6E52604-4630-4861-9364-F52CA104A3D5}" type="datetimeFigureOut">
               <a:rPr lang="en-US" smtClean="0"/>
-              <a:t>11/21/2023</a:t>
+              <a:t>2/26/2024</a:t>
             </a:fld>
             <a:endParaRPr lang="en-US"/>
           </a:p>
@@ -3625,7 +3625,7 @@
           <a:p>
             <a:fld id="{E6E52604-4630-4861-9364-F52CA104A3D5}" type="datetimeFigureOut">
               <a:rPr lang="en-US" smtClean="0"/>
-              <a:t>11/21/2023</a:t>
+              <a:t>2/26/2024</a:t>
             </a:fld>
             <a:endParaRPr lang="en-US"/>
           </a:p>
@@ -3836,7 +3836,7 @@
           <a:p>
             <a:fld id="{E6E52604-4630-4861-9364-F52CA104A3D5}" type="datetimeFigureOut">
               <a:rPr lang="en-US" smtClean="0"/>
-              <a:t>11/21/2023</a:t>
+              <a:t>2/26/2024</a:t>
             </a:fld>
             <a:endParaRPr lang="en-US"/>
           </a:p>
@@ -4428,18 +4428,13 @@
           </a:p>
           <a:p>
             <a:r>
-              <a:rPr lang="en-US" sz="4400">
+              <a:rPr lang="en-US" sz="4400" dirty="0">
                 <a:highlight>
                   <a:srgbClr val="FFFF00"/>
                 </a:highlight>
               </a:rPr>
-              <a:t>__________</a:t>
-            </a:r>
-            <a:endParaRPr lang="en-US" sz="4400" dirty="0">
-              <a:highlight>
-                <a:srgbClr val="FFFF00"/>
-              </a:highlight>
-            </a:endParaRPr>
+              <a:t>___________</a:t>
+            </a:r>
           </a:p>
         </p:txBody>
       </p:sp>
@@ -11573,12 +11568,6 @@
 </file>
 
 <file path=customXml/item1.xml><?xml version="1.0" encoding="utf-8"?>
-<p:properties xmlns:p="http://schemas.microsoft.com/office/2006/metadata/properties" xmlns:xsi="http://www.w3.org/2001/XMLSchema-instance" xmlns:pc="http://schemas.microsoft.com/office/infopath/2007/PartnerControls">
-  <documentManagement/>
-</p:properties>
-</file>
-
-<file path=customXml/item2.xml><?xml version="1.0" encoding="utf-8"?>
 <?mso-contentType ?>
 <FormTemplates xmlns="http://schemas.microsoft.com/sharepoint/v3/contenttype/forms">
   <Display>DocumentLibraryForm</Display>
@@ -11587,7 +11576,7 @@
 </FormTemplates>
 </file>
 
-<file path=customXml/item3.xml><?xml version="1.0" encoding="utf-8"?>
+<file path=customXml/item2.xml><?xml version="1.0" encoding="utf-8"?>
 <ct:contentTypeSchema xmlns:ct="http://schemas.microsoft.com/office/2006/metadata/contentType" xmlns:ma="http://schemas.microsoft.com/office/2006/metadata/properties/metaAttributes" ct:_="" ma:_="" ma:contentTypeName="Document" ma:contentTypeID="0x0101001570BCAAD2E4294F9443DCB038A55380" ma:contentTypeVersion="8" ma:contentTypeDescription="Create a new document." ma:contentTypeScope="" ma:versionID="9523c79d6bab9e2ad858b5223ec5ed94">
   <xsd:schema xmlns:xsd="http://www.w3.org/2001/XMLSchema" xmlns:xs="http://www.w3.org/2001/XMLSchema" xmlns:p="http://schemas.microsoft.com/office/2006/metadata/properties" xmlns:ns2="201674f6-2bdd-4f13-ba1e-424e4aa70473" targetNamespace="http://schemas.microsoft.com/office/2006/metadata/properties" ma:root="true" ma:fieldsID="587afc94f70b507ec5be5f4d78229b0b" ns2:_="">
     <xsd:import namespace="201674f6-2bdd-4f13-ba1e-424e4aa70473"/>
@@ -11757,16 +11746,13 @@
 </ct:contentTypeSchema>
 </file>
 
-<file path=customXml/itemProps1.xml><?xml version="1.0" encoding="utf-8"?>
-<ds:datastoreItem xmlns:ds="http://schemas.openxmlformats.org/officeDocument/2006/customXml" ds:itemID="{7FF94FC0-E081-4FF1-A581-A49E7DE311BA}">
-  <ds:schemaRefs>
-    <ds:schemaRef ds:uri="http://schemas.microsoft.com/office/2006/metadata/properties"/>
-    <ds:schemaRef ds:uri="http://schemas.microsoft.com/office/infopath/2007/PartnerControls"/>
-  </ds:schemaRefs>
-</ds:datastoreItem>
+<file path=customXml/item3.xml><?xml version="1.0" encoding="utf-8"?>
+<p:properties xmlns:p="http://schemas.microsoft.com/office/2006/metadata/properties" xmlns:xsi="http://www.w3.org/2001/XMLSchema-instance" xmlns:pc="http://schemas.microsoft.com/office/infopath/2007/PartnerControls">
+  <documentManagement/>
+</p:properties>
 </file>
 
-<file path=customXml/itemProps2.xml><?xml version="1.0" encoding="utf-8"?>
+<file path=customXml/itemProps1.xml><?xml version="1.0" encoding="utf-8"?>
 <ds:datastoreItem xmlns:ds="http://schemas.openxmlformats.org/officeDocument/2006/customXml" ds:itemID="{468F51B2-1CC2-431D-A1E6-36E9125CDBF8}">
   <ds:schemaRefs>
     <ds:schemaRef ds:uri="http://schemas.microsoft.com/sharepoint/v3/contenttype/forms"/>
@@ -11774,7 +11760,7 @@
 </ds:datastoreItem>
 </file>
 
-<file path=customXml/itemProps3.xml><?xml version="1.0" encoding="utf-8"?>
+<file path=customXml/itemProps2.xml><?xml version="1.0" encoding="utf-8"?>
 <ds:datastoreItem xmlns:ds="http://schemas.openxmlformats.org/officeDocument/2006/customXml" ds:itemID="{931EB6B9-E880-4991-9333-83CD2EDC47E1}">
   <ds:schemaRefs>
     <ds:schemaRef ds:uri="http://schemas.microsoft.com/office/2006/metadata/contentType"/>
@@ -11790,4 +11776,13 @@
     <ds:schemaRef ds:uri="http://schemas.microsoft.com/internal/obd"/>
   </ds:schemaRefs>
 </ds:datastoreItem>
+</file>
+
+<file path=customXml/itemProps3.xml><?xml version="1.0" encoding="utf-8"?>
+<ds:datastoreItem xmlns:ds="http://schemas.openxmlformats.org/officeDocument/2006/customXml" ds:itemID="{7FF94FC0-E081-4FF1-A581-A49E7DE311BA}">
+  <ds:schemaRefs>
+    <ds:schemaRef ds:uri="http://schemas.microsoft.com/office/2006/metadata/properties"/>
+    <ds:schemaRef ds:uri="http://schemas.microsoft.com/office/infopath/2007/PartnerControls"/>
+  </ds:schemaRefs>
+</ds:datastoreItem>
 </file>
--- a/ClassMaterials/MoreRecursionMoreInterfaces/Slides/Part1-More_Recursion.pptx
+++ b/ClassMaterials/MoreRecursionMoreInterfaces/Slides/Part1-More_Recursion.pptx
@@ -259,7 +259,7 @@
           <a:p>
             <a:fld id="{01A9AFE8-3E8D-E148-BA98-12759F2DD8EB}" type="datetimeFigureOut">
               <a:rPr lang="en-US" smtClean="0"/>
-              <a:t>2/26/2024</a:t>
+              <a:t>3/30/2025</a:t>
             </a:fld>
             <a:endParaRPr lang="en-US"/>
           </a:p>
@@ -1423,7 +1423,7 @@
           <a:p>
             <a:fld id="{E6E52604-4630-4861-9364-F52CA104A3D5}" type="datetimeFigureOut">
               <a:rPr lang="en-US" smtClean="0"/>
-              <a:t>2/26/2024</a:t>
+              <a:t>3/30/2025</a:t>
             </a:fld>
             <a:endParaRPr lang="en-US"/>
           </a:p>
@@ -1591,7 +1591,7 @@
           <a:p>
             <a:fld id="{E6E52604-4630-4861-9364-F52CA104A3D5}" type="datetimeFigureOut">
               <a:rPr lang="en-US" smtClean="0"/>
-              <a:t>2/26/2024</a:t>
+              <a:t>3/30/2025</a:t>
             </a:fld>
             <a:endParaRPr lang="en-US"/>
           </a:p>
@@ -1769,7 +1769,7 @@
           <a:p>
             <a:fld id="{E6E52604-4630-4861-9364-F52CA104A3D5}" type="datetimeFigureOut">
               <a:rPr lang="en-US" smtClean="0"/>
-              <a:t>2/26/2024</a:t>
+              <a:t>3/30/2025</a:t>
             </a:fld>
             <a:endParaRPr lang="en-US"/>
           </a:p>
@@ -1937,7 +1937,7 @@
           <a:p>
             <a:fld id="{E6E52604-4630-4861-9364-F52CA104A3D5}" type="datetimeFigureOut">
               <a:rPr lang="en-US" smtClean="0"/>
-              <a:t>2/26/2024</a:t>
+              <a:t>3/30/2025</a:t>
             </a:fld>
             <a:endParaRPr lang="en-US"/>
           </a:p>
@@ -2182,7 +2182,7 @@
           <a:p>
             <a:fld id="{E6E52604-4630-4861-9364-F52CA104A3D5}" type="datetimeFigureOut">
               <a:rPr lang="en-US" smtClean="0"/>
-              <a:t>2/26/2024</a:t>
+              <a:t>3/30/2025</a:t>
             </a:fld>
             <a:endParaRPr lang="en-US"/>
           </a:p>
@@ -2467,7 +2467,7 @@
           <a:p>
             <a:fld id="{E6E52604-4630-4861-9364-F52CA104A3D5}" type="datetimeFigureOut">
               <a:rPr lang="en-US" smtClean="0"/>
-              <a:t>2/26/2024</a:t>
+              <a:t>3/30/2025</a:t>
             </a:fld>
             <a:endParaRPr lang="en-US"/>
           </a:p>
@@ -2886,7 +2886,7 @@
           <a:p>
             <a:fld id="{E6E52604-4630-4861-9364-F52CA104A3D5}" type="datetimeFigureOut">
               <a:rPr lang="en-US" smtClean="0"/>
-              <a:t>2/26/2024</a:t>
+              <a:t>3/30/2025</a:t>
             </a:fld>
             <a:endParaRPr lang="en-US"/>
           </a:p>
@@ -3003,7 +3003,7 @@
           <a:p>
             <a:fld id="{E6E52604-4630-4861-9364-F52CA104A3D5}" type="datetimeFigureOut">
               <a:rPr lang="en-US" smtClean="0"/>
-              <a:t>2/26/2024</a:t>
+              <a:t>3/30/2025</a:t>
             </a:fld>
             <a:endParaRPr lang="en-US"/>
           </a:p>
@@ -3098,7 +3098,7 @@
           <a:p>
             <a:fld id="{E6E52604-4630-4861-9364-F52CA104A3D5}" type="datetimeFigureOut">
               <a:rPr lang="en-US" smtClean="0"/>
-              <a:t>2/26/2024</a:t>
+              <a:t>3/30/2025</a:t>
             </a:fld>
             <a:endParaRPr lang="en-US"/>
           </a:p>
@@ -3373,7 +3373,7 @@
           <a:p>
             <a:fld id="{E6E52604-4630-4861-9364-F52CA104A3D5}" type="datetimeFigureOut">
               <a:rPr lang="en-US" smtClean="0"/>
-              <a:t>2/26/2024</a:t>
+              <a:t>3/30/2025</a:t>
             </a:fld>
             <a:endParaRPr lang="en-US"/>
           </a:p>
@@ -3625,7 +3625,7 @@
           <a:p>
             <a:fld id="{E6E52604-4630-4861-9364-F52CA104A3D5}" type="datetimeFigureOut">
               <a:rPr lang="en-US" smtClean="0"/>
-              <a:t>2/26/2024</a:t>
+              <a:t>3/30/2025</a:t>
             </a:fld>
             <a:endParaRPr lang="en-US"/>
           </a:p>
@@ -3836,7 +3836,7 @@
           <a:p>
             <a:fld id="{E6E52604-4630-4861-9364-F52CA104A3D5}" type="datetimeFigureOut">
               <a:rPr lang="en-US" smtClean="0"/>
-              <a:t>2/26/2024</a:t>
+              <a:t>3/30/2025</a:t>
             </a:fld>
             <a:endParaRPr lang="en-US"/>
           </a:p>
@@ -4428,12 +4428,20 @@
           </a:p>
           <a:p>
             <a:r>
+              <a:rPr lang="en-US" sz="4400" dirty="0" err="1">
+                <a:highlight>
+                  <a:srgbClr val="FFFF00"/>
+                </a:highlight>
+              </a:rPr>
+              <a:t>moreFun</a:t>
+            </a:r>
+            <a:r>
               <a:rPr lang="en-US" sz="4400" dirty="0">
                 <a:highlight>
                   <a:srgbClr val="FFFF00"/>
                 </a:highlight>
               </a:rPr>
-              <a:t>___________</a:t>
+              <a:t>!</a:t>
             </a:r>
           </a:p>
         </p:txBody>
@@ -11568,15 +11576,6 @@
 </file>
 
 <file path=customXml/item1.xml><?xml version="1.0" encoding="utf-8"?>
-<?mso-contentType ?>
-<FormTemplates xmlns="http://schemas.microsoft.com/sharepoint/v3/contenttype/forms">
-  <Display>DocumentLibraryForm</Display>
-  <Edit>DocumentLibraryForm</Edit>
-  <New>DocumentLibraryForm</New>
-</FormTemplates>
-</file>
-
-<file path=customXml/item2.xml><?xml version="1.0" encoding="utf-8"?>
 <ct:contentTypeSchema xmlns:ct="http://schemas.microsoft.com/office/2006/metadata/contentType" xmlns:ma="http://schemas.microsoft.com/office/2006/metadata/properties/metaAttributes" ct:_="" ma:_="" ma:contentTypeName="Document" ma:contentTypeID="0x0101001570BCAAD2E4294F9443DCB038A55380" ma:contentTypeVersion="8" ma:contentTypeDescription="Create a new document." ma:contentTypeScope="" ma:versionID="9523c79d6bab9e2ad858b5223ec5ed94">
   <xsd:schema xmlns:xsd="http://www.w3.org/2001/XMLSchema" xmlns:xs="http://www.w3.org/2001/XMLSchema" xmlns:p="http://schemas.microsoft.com/office/2006/metadata/properties" xmlns:ns2="201674f6-2bdd-4f13-ba1e-424e4aa70473" targetNamespace="http://schemas.microsoft.com/office/2006/metadata/properties" ma:root="true" ma:fieldsID="587afc94f70b507ec5be5f4d78229b0b" ns2:_="">
     <xsd:import namespace="201674f6-2bdd-4f13-ba1e-424e4aa70473"/>
@@ -11746,6 +11745,15 @@
 </ct:contentTypeSchema>
 </file>
 
+<file path=customXml/item2.xml><?xml version="1.0" encoding="utf-8"?>
+<?mso-contentType ?>
+<FormTemplates xmlns="http://schemas.microsoft.com/sharepoint/v3/contenttype/forms">
+  <Display>DocumentLibraryForm</Display>
+  <Edit>DocumentLibraryForm</Edit>
+  <New>DocumentLibraryForm</New>
+</FormTemplates>
+</file>
+
 <file path=customXml/item3.xml><?xml version="1.0" encoding="utf-8"?>
 <p:properties xmlns:p="http://schemas.microsoft.com/office/2006/metadata/properties" xmlns:xsi="http://www.w3.org/2001/XMLSchema-instance" xmlns:pc="http://schemas.microsoft.com/office/infopath/2007/PartnerControls">
   <documentManagement/>
@@ -11753,14 +11761,6 @@
 </file>
 
 <file path=customXml/itemProps1.xml><?xml version="1.0" encoding="utf-8"?>
-<ds:datastoreItem xmlns:ds="http://schemas.openxmlformats.org/officeDocument/2006/customXml" ds:itemID="{468F51B2-1CC2-431D-A1E6-36E9125CDBF8}">
-  <ds:schemaRefs>
-    <ds:schemaRef ds:uri="http://schemas.microsoft.com/sharepoint/v3/contenttype/forms"/>
-  </ds:schemaRefs>
-</ds:datastoreItem>
-</file>
-
-<file path=customXml/itemProps2.xml><?xml version="1.0" encoding="utf-8"?>
 <ds:datastoreItem xmlns:ds="http://schemas.openxmlformats.org/officeDocument/2006/customXml" ds:itemID="{931EB6B9-E880-4991-9333-83CD2EDC47E1}">
   <ds:schemaRefs>
     <ds:schemaRef ds:uri="http://schemas.microsoft.com/office/2006/metadata/contentType"/>
@@ -11778,6 +11778,14 @@
 </ds:datastoreItem>
 </file>
 
+<file path=customXml/itemProps2.xml><?xml version="1.0" encoding="utf-8"?>
+<ds:datastoreItem xmlns:ds="http://schemas.openxmlformats.org/officeDocument/2006/customXml" ds:itemID="{468F51B2-1CC2-431D-A1E6-36E9125CDBF8}">
+  <ds:schemaRefs>
+    <ds:schemaRef ds:uri="http://schemas.microsoft.com/sharepoint/v3/contenttype/forms"/>
+  </ds:schemaRefs>
+</ds:datastoreItem>
+</file>
+
 <file path=customXml/itemProps3.xml><?xml version="1.0" encoding="utf-8"?>
 <ds:datastoreItem xmlns:ds="http://schemas.openxmlformats.org/officeDocument/2006/customXml" ds:itemID="{7FF94FC0-E081-4FF1-A581-A49E7DE311BA}">
   <ds:schemaRefs>

--- a/ClassMaterials/MoreRecursionMoreInterfaces/Slides/Part1-More_Recursion.pptx
+++ b/ClassMaterials/MoreRecursionMoreInterfaces/Slides/Part1-More_Recursion.pptx
@@ -259,7 +259,7 @@
           <a:p>
             <a:fld id="{01A9AFE8-3E8D-E148-BA98-12759F2DD8EB}" type="datetimeFigureOut">
               <a:rPr lang="en-US" smtClean="0"/>
-              <a:t>3/30/2025</a:t>
+              <a:t>4/22/2025</a:t>
             </a:fld>
             <a:endParaRPr lang="en-US"/>
           </a:p>
@@ -1423,7 +1423,7 @@
           <a:p>
             <a:fld id="{E6E52604-4630-4861-9364-F52CA104A3D5}" type="datetimeFigureOut">
               <a:rPr lang="en-US" smtClean="0"/>
-              <a:t>3/30/2025</a:t>
+              <a:t>4/22/2025</a:t>
             </a:fld>
             <a:endParaRPr lang="en-US"/>
           </a:p>
@@ -1591,7 +1591,7 @@
           <a:p>
             <a:fld id="{E6E52604-4630-4861-9364-F52CA104A3D5}" type="datetimeFigureOut">
               <a:rPr lang="en-US" smtClean="0"/>
-              <a:t>3/30/2025</a:t>
+              <a:t>4/22/2025</a:t>
             </a:fld>
             <a:endParaRPr lang="en-US"/>
           </a:p>
@@ -1769,7 +1769,7 @@
           <a:p>
             <a:fld id="{E6E52604-4630-4861-9364-F52CA104A3D5}" type="datetimeFigureOut">
               <a:rPr lang="en-US" smtClean="0"/>
-              <a:t>3/30/2025</a:t>
+              <a:t>4/22/2025</a:t>
             </a:fld>
             <a:endParaRPr lang="en-US"/>
           </a:p>
@@ -1937,7 +1937,7 @@
           <a:p>
             <a:fld id="{E6E52604-4630-4861-9364-F52CA104A3D5}" type="datetimeFigureOut">
               <a:rPr lang="en-US" smtClean="0"/>
-              <a:t>3/30/2025</a:t>
+              <a:t>4/22/2025</a:t>
             </a:fld>
             <a:endParaRPr lang="en-US"/>
           </a:p>
@@ -2182,7 +2182,7 @@
           <a:p>
             <a:fld id="{E6E52604-4630-4861-9364-F52CA104A3D5}" type="datetimeFigureOut">
               <a:rPr lang="en-US" smtClean="0"/>
-              <a:t>3/30/2025</a:t>
+              <a:t>4/22/2025</a:t>
             </a:fld>
             <a:endParaRPr lang="en-US"/>
           </a:p>
@@ -2467,7 +2467,7 @@
           <a:p>
             <a:fld id="{E6E52604-4630-4861-9364-F52CA104A3D5}" type="datetimeFigureOut">
               <a:rPr lang="en-US" smtClean="0"/>
-              <a:t>3/30/2025</a:t>
+              <a:t>4/22/2025</a:t>
             </a:fld>
             <a:endParaRPr lang="en-US"/>
           </a:p>
@@ -2886,7 +2886,7 @@
           <a:p>
             <a:fld id="{E6E52604-4630-4861-9364-F52CA104A3D5}" type="datetimeFigureOut">
               <a:rPr lang="en-US" smtClean="0"/>
-              <a:t>3/30/2025</a:t>
+              <a:t>4/22/2025</a:t>
             </a:fld>
             <a:endParaRPr lang="en-US"/>
           </a:p>
@@ -3003,7 +3003,7 @@
           <a:p>
             <a:fld id="{E6E52604-4630-4861-9364-F52CA104A3D5}" type="datetimeFigureOut">
               <a:rPr lang="en-US" smtClean="0"/>
-              <a:t>3/30/2025</a:t>
+              <a:t>4/22/2025</a:t>
             </a:fld>
             <a:endParaRPr lang="en-US"/>
           </a:p>
@@ -3098,7 +3098,7 @@
           <a:p>
             <a:fld id="{E6E52604-4630-4861-9364-F52CA104A3D5}" type="datetimeFigureOut">
               <a:rPr lang="en-US" smtClean="0"/>
-              <a:t>3/30/2025</a:t>
+              <a:t>4/22/2025</a:t>
             </a:fld>
             <a:endParaRPr lang="en-US"/>
           </a:p>
@@ -3373,7 +3373,7 @@
           <a:p>
             <a:fld id="{E6E52604-4630-4861-9364-F52CA104A3D5}" type="datetimeFigureOut">
               <a:rPr lang="en-US" smtClean="0"/>
-              <a:t>3/30/2025</a:t>
+              <a:t>4/22/2025</a:t>
             </a:fld>
             <a:endParaRPr lang="en-US"/>
           </a:p>
@@ -3625,7 +3625,7 @@
           <a:p>
             <a:fld id="{E6E52604-4630-4861-9364-F52CA104A3D5}" type="datetimeFigureOut">
               <a:rPr lang="en-US" smtClean="0"/>
-              <a:t>3/30/2025</a:t>
+              <a:t>4/22/2025</a:t>
             </a:fld>
             <a:endParaRPr lang="en-US"/>
           </a:p>
@@ -3836,7 +3836,7 @@
           <a:p>
             <a:fld id="{E6E52604-4630-4861-9364-F52CA104A3D5}" type="datetimeFigureOut">
               <a:rPr lang="en-US" smtClean="0"/>
-              <a:t>3/30/2025</a:t>
+              <a:t>4/22/2025</a:t>
             </a:fld>
             <a:endParaRPr lang="en-US"/>
           </a:p>
@@ -4372,80 +4372,6 @@
           </a:p>
         </p:txBody>
       </p:sp>
-      <p:sp>
-        <p:nvSpPr>
-          <p:cNvPr id="4" name="TextBox 3">
-            <a:extLst>
-              <a:ext uri="{FF2B5EF4-FFF2-40B4-BE49-F238E27FC236}">
-                <a16:creationId xmlns:a16="http://schemas.microsoft.com/office/drawing/2014/main" id="{3C02453F-34BE-C3A3-3ED4-B04D4D22625E}"/>
-              </a:ext>
-            </a:extLst>
-          </p:cNvPr>
-          <p:cNvSpPr txBox="1"/>
-          <p:nvPr/>
-        </p:nvSpPr>
-        <p:spPr>
-          <a:xfrm>
-            <a:off x="4199965" y="-40807"/>
-            <a:ext cx="4715435" cy="1046440"/>
-          </a:xfrm>
-          <a:prstGeom prst="rect">
-            <a:avLst/>
-          </a:prstGeom>
-          <a:noFill/>
-          <a:ln w="12700" cap="flat">
-            <a:noFill/>
-            <a:miter lim="400000"/>
-          </a:ln>
-          <a:effectLst/>
-        </p:spPr>
-        <p:style>
-          <a:lnRef idx="0">
-            <a:scrgbClr r="0" g="0" b="0"/>
-          </a:lnRef>
-          <a:fillRef idx="0">
-            <a:scrgbClr r="0" g="0" b="0"/>
-          </a:fillRef>
-          <a:effectRef idx="0">
-            <a:scrgbClr r="0" g="0" b="0"/>
-          </a:effectRef>
-          <a:fontRef idx="none"/>
-        </p:style>
-        <p:txBody>
-          <a:bodyPr wrap="square">
-            <a:spAutoFit/>
-          </a:bodyPr>
-          <a:lstStyle/>
-          <a:p>
-            <a:r>
-              <a:rPr lang="en-US" dirty="0">
-                <a:highlight>
-                  <a:srgbClr val="FFFF00"/>
-                </a:highlight>
-              </a:rPr>
-              <a:t>Today’s Attendance password</a:t>
-            </a:r>
-          </a:p>
-          <a:p>
-            <a:r>
-              <a:rPr lang="en-US" sz="4400" dirty="0" err="1">
-                <a:highlight>
-                  <a:srgbClr val="FFFF00"/>
-                </a:highlight>
-              </a:rPr>
-              <a:t>moreFun</a:t>
-            </a:r>
-            <a:r>
-              <a:rPr lang="en-US" sz="4400" dirty="0">
-                <a:highlight>
-                  <a:srgbClr val="FFFF00"/>
-                </a:highlight>
-              </a:rPr>
-              <a:t>!</a:t>
-            </a:r>
-          </a:p>
-        </p:txBody>
-      </p:sp>
       <p:pic>
         <p:nvPicPr>
           <p:cNvPr id="5" name="Picture 4">
@@ -4506,6 +4432,69 @@
           </a:prstGeom>
         </p:spPr>
       </p:pic>
+      <p:sp>
+        <p:nvSpPr>
+          <p:cNvPr id="6" name="Shape 54">
+            <a:extLst>
+              <a:ext uri="{FF2B5EF4-FFF2-40B4-BE49-F238E27FC236}">
+                <a16:creationId xmlns:a16="http://schemas.microsoft.com/office/drawing/2014/main" id="{4D37C5E5-64A0-42CF-3A72-7A3153530378}"/>
+              </a:ext>
+            </a:extLst>
+          </p:cNvPr>
+          <p:cNvSpPr/>
+          <p:nvPr/>
+        </p:nvSpPr>
+        <p:spPr>
+          <a:xfrm>
+            <a:off x="5539154" y="209686"/>
+            <a:ext cx="3346430" cy="738664"/>
+          </a:xfrm>
+          <a:prstGeom prst="rect">
+            <a:avLst/>
+          </a:prstGeom>
+          <a:solidFill>
+            <a:srgbClr val="9BBB59"/>
+          </a:solidFill>
+          <a:ln w="25400" cap="rnd">
+            <a:solidFill>
+              <a:srgbClr val="718841"/>
+            </a:solidFill>
+          </a:ln>
+          <a:extLst>
+            <a:ext uri="{C572A759-6A51-4108-AA02-DFA0A04FC94B}">
+              <ma14:wrappingTextBoxFlag xmlns="" xmlns:ma14="http://schemas.microsoft.com/office/mac/drawingml/2011/main" val="1"/>
+            </a:ext>
+          </a:extLst>
+        </p:spPr>
+        <p:txBody>
+          <a:bodyPr wrap="square" lIns="0" tIns="0" rIns="0" bIns="0">
+            <a:spAutoFit/>
+          </a:bodyPr>
+          <a:lstStyle/>
+          <a:p>
+            <a:pPr lvl="0"/>
+            <a:r>
+              <a:rPr lang="en-US" sz="2400" i="1" dirty="0">
+                <a:solidFill>
+                  <a:srgbClr val="FFFFFF"/>
+                </a:solidFill>
+              </a:rPr>
+              <a:t> Attendance password    </a:t>
+            </a:r>
+          </a:p>
+          <a:p>
+            <a:pPr lvl="0"/>
+            <a:r>
+              <a:rPr lang="en-US" sz="2400" i="1" dirty="0">
+                <a:solidFill>
+                  <a:srgbClr val="FFFFFF"/>
+                </a:solidFill>
+              </a:rPr>
+              <a:t> is written on the board</a:t>
+            </a:r>
+          </a:p>
+        </p:txBody>
+      </p:sp>
     </p:spTree>
     <p:extLst>
       <p:ext uri="{BB962C8B-B14F-4D97-AF65-F5344CB8AC3E}">
@@ -11576,6 +11565,21 @@
 </file>
 
 <file path=customXml/item1.xml><?xml version="1.0" encoding="utf-8"?>
+<p:properties xmlns:p="http://schemas.microsoft.com/office/2006/metadata/properties" xmlns:xsi="http://www.w3.org/2001/XMLSchema-instance" xmlns:pc="http://schemas.microsoft.com/office/infopath/2007/PartnerControls">
+  <documentManagement/>
+</p:properties>
+</file>
+
+<file path=customXml/item2.xml><?xml version="1.0" encoding="utf-8"?>
+<?mso-contentType ?>
+<FormTemplates xmlns="http://schemas.microsoft.com/sharepoint/v3/contenttype/forms">
+  <Display>DocumentLibraryForm</Display>
+  <Edit>DocumentLibraryForm</Edit>
+  <New>DocumentLibraryForm</New>
+</FormTemplates>
+</file>
+
+<file path=customXml/item3.xml><?xml version="1.0" encoding="utf-8"?>
 <ct:contentTypeSchema xmlns:ct="http://schemas.microsoft.com/office/2006/metadata/contentType" xmlns:ma="http://schemas.microsoft.com/office/2006/metadata/properties/metaAttributes" ct:_="" ma:_="" ma:contentTypeName="Document" ma:contentTypeID="0x0101001570BCAAD2E4294F9443DCB038A55380" ma:contentTypeVersion="8" ma:contentTypeDescription="Create a new document." ma:contentTypeScope="" ma:versionID="9523c79d6bab9e2ad858b5223ec5ed94">
   <xsd:schema xmlns:xsd="http://www.w3.org/2001/XMLSchema" xmlns:xs="http://www.w3.org/2001/XMLSchema" xmlns:p="http://schemas.microsoft.com/office/2006/metadata/properties" xmlns:ns2="201674f6-2bdd-4f13-ba1e-424e4aa70473" targetNamespace="http://schemas.microsoft.com/office/2006/metadata/properties" ma:root="true" ma:fieldsID="587afc94f70b507ec5be5f4d78229b0b" ns2:_="">
     <xsd:import namespace="201674f6-2bdd-4f13-ba1e-424e4aa70473"/>
@@ -11745,22 +11749,24 @@
 </ct:contentTypeSchema>
 </file>
 
-<file path=customXml/item2.xml><?xml version="1.0" encoding="utf-8"?>
-<?mso-contentType ?>
-<FormTemplates xmlns="http://schemas.microsoft.com/sharepoint/v3/contenttype/forms">
-  <Display>DocumentLibraryForm</Display>
-  <Edit>DocumentLibraryForm</Edit>
-  <New>DocumentLibraryForm</New>
-</FormTemplates>
+<file path=customXml/itemProps1.xml><?xml version="1.0" encoding="utf-8"?>
+<ds:datastoreItem xmlns:ds="http://schemas.openxmlformats.org/officeDocument/2006/customXml" ds:itemID="{7FF94FC0-E081-4FF1-A581-A49E7DE311BA}">
+  <ds:schemaRefs>
+    <ds:schemaRef ds:uri="http://schemas.microsoft.com/office/2006/metadata/properties"/>
+    <ds:schemaRef ds:uri="http://schemas.microsoft.com/office/infopath/2007/PartnerControls"/>
+  </ds:schemaRefs>
+</ds:datastoreItem>
 </file>
 
-<file path=customXml/item3.xml><?xml version="1.0" encoding="utf-8"?>
-<p:properties xmlns:p="http://schemas.microsoft.com/office/2006/metadata/properties" xmlns:xsi="http://www.w3.org/2001/XMLSchema-instance" xmlns:pc="http://schemas.microsoft.com/office/infopath/2007/PartnerControls">
-  <documentManagement/>
-</p:properties>
+<file path=customXml/itemProps2.xml><?xml version="1.0" encoding="utf-8"?>
+<ds:datastoreItem xmlns:ds="http://schemas.openxmlformats.org/officeDocument/2006/customXml" ds:itemID="{468F51B2-1CC2-431D-A1E6-36E9125CDBF8}">
+  <ds:schemaRefs>
+    <ds:schemaRef ds:uri="http://schemas.microsoft.com/sharepoint/v3/contenttype/forms"/>
+  </ds:schemaRefs>
+</ds:datastoreItem>
 </file>
 
-<file path=customXml/itemProps1.xml><?xml version="1.0" encoding="utf-8"?>
+<file path=customXml/itemProps3.xml><?xml version="1.0" encoding="utf-8"?>
 <ds:datastoreItem xmlns:ds="http://schemas.openxmlformats.org/officeDocument/2006/customXml" ds:itemID="{931EB6B9-E880-4991-9333-83CD2EDC47E1}">
   <ds:schemaRefs>
     <ds:schemaRef ds:uri="http://schemas.microsoft.com/office/2006/metadata/contentType"/>
@@ -11776,21 +11782,4 @@
     <ds:schemaRef ds:uri="http://schemas.microsoft.com/internal/obd"/>
   </ds:schemaRefs>
 </ds:datastoreItem>
-</file>
-
-<file path=customXml/itemProps2.xml><?xml version="1.0" encoding="utf-8"?>
-<ds:datastoreItem xmlns:ds="http://schemas.openxmlformats.org/officeDocument/2006/customXml" ds:itemID="{468F51B2-1CC2-431D-A1E6-36E9125CDBF8}">
-  <ds:schemaRefs>
-    <ds:schemaRef ds:uri="http://schemas.microsoft.com/sharepoint/v3/contenttype/forms"/>
-  </ds:schemaRefs>
-</ds:datastoreItem>
-</file>
-
-<file path=customXml/itemProps3.xml><?xml version="1.0" encoding="utf-8"?>
-<ds:datastoreItem xmlns:ds="http://schemas.openxmlformats.org/officeDocument/2006/customXml" ds:itemID="{7FF94FC0-E081-4FF1-A581-A49E7DE311BA}">
-  <ds:schemaRefs>
-    <ds:schemaRef ds:uri="http://schemas.microsoft.com/office/2006/metadata/properties"/>
-    <ds:schemaRef ds:uri="http://schemas.microsoft.com/office/infopath/2007/PartnerControls"/>
-  </ds:schemaRefs>
-</ds:datastoreItem>
 </file>